--- a/make_presentation/templates/templates/classic/_47.pptx
+++ b/make_presentation/templates/templates/classic/_47.pptx
@@ -338,7 +338,7 @@
             <a:pPr algn="r">
               <a:buNone/>
             </a:pPr>
-            <a:fld id="{0E3DC0E6-AB37-4970-9F23-AA4EF3D6BB96}" type="slidenum">
+            <a:fld id="{0DC6A9E9-5F3A-4C32-959C-537187DDBBFC}" type="slidenum">
               <a:rPr b="0" lang="en-US" sz="1400" spc="-1" strike="noStrike">
                 <a:latin typeface="Times New Roman"/>
               </a:rPr>
@@ -386,7 +386,7 @@
         <p:spPr>
           <a:xfrm>
             <a:off x="380880" y="685800"/>
-            <a:ext cx="6090480" cy="3423600"/>
+            <a:ext cx="6090120" cy="3423240"/>
           </a:xfrm>
           <a:prstGeom prst="rect">
             <a:avLst/>
@@ -409,7 +409,7 @@
         <p:spPr>
           <a:xfrm>
             <a:off x="685800" y="4343400"/>
-            <a:ext cx="5481000" cy="4109400"/>
+            <a:ext cx="5480640" cy="4109040"/>
           </a:xfrm>
           <a:prstGeom prst="rect">
             <a:avLst/>
@@ -443,7 +443,7 @@
         <p:spPr>
           <a:xfrm>
             <a:off x="3884760" y="8685360"/>
-            <a:ext cx="2966400" cy="451800"/>
+            <a:ext cx="2966040" cy="451440"/>
           </a:xfrm>
           <a:prstGeom prst="rect">
             <a:avLst/>
@@ -479,7 +479,7 @@
               </a:lnSpc>
               <a:buNone/>
             </a:pPr>
-            <a:fld id="{58516F41-6C1F-4B6F-8DE0-FBA3002E78F6}" type="slidenum">
+            <a:fld id="{8A73B93D-5063-4C26-A74A-E6A293E4C591}" type="slidenum">
               <a:rPr b="0" lang="en-US" sz="1200" spc="-1" strike="noStrike">
                 <a:solidFill>
                   <a:srgbClr val="000000"/>
@@ -530,7 +530,7 @@
         <p:spPr>
           <a:xfrm>
             <a:off x="380880" y="685800"/>
-            <a:ext cx="6090480" cy="3423600"/>
+            <a:ext cx="6090120" cy="3423240"/>
           </a:xfrm>
           <a:prstGeom prst="rect">
             <a:avLst/>
@@ -553,7 +553,7 @@
         <p:spPr>
           <a:xfrm>
             <a:off x="685800" y="4343400"/>
-            <a:ext cx="5481000" cy="4109400"/>
+            <a:ext cx="5480640" cy="4109040"/>
           </a:xfrm>
           <a:prstGeom prst="rect">
             <a:avLst/>
@@ -587,7 +587,7 @@
         <p:spPr>
           <a:xfrm>
             <a:off x="3884760" y="8685360"/>
-            <a:ext cx="2966400" cy="451800"/>
+            <a:ext cx="2966040" cy="451440"/>
           </a:xfrm>
           <a:prstGeom prst="rect">
             <a:avLst/>
@@ -623,7 +623,7 @@
               </a:lnSpc>
               <a:buNone/>
             </a:pPr>
-            <a:fld id="{97E01ECF-A45B-46A1-BA14-1D2D7B4D810B}" type="slidenum">
+            <a:fld id="{3A82C85E-B4B9-468C-9DCB-F6059D231B09}" type="slidenum">
               <a:rPr b="0" lang="en-US" sz="1200" spc="-1" strike="noStrike">
                 <a:solidFill>
                   <a:srgbClr val="000000"/>
@@ -674,7 +674,7 @@
         <p:spPr>
           <a:xfrm>
             <a:off x="380880" y="685800"/>
-            <a:ext cx="6090480" cy="3423600"/>
+            <a:ext cx="6090120" cy="3423240"/>
           </a:xfrm>
           <a:prstGeom prst="rect">
             <a:avLst/>
@@ -697,7 +697,7 @@
         <p:spPr>
           <a:xfrm>
             <a:off x="685800" y="4343400"/>
-            <a:ext cx="5481000" cy="4109400"/>
+            <a:ext cx="5480640" cy="4109040"/>
           </a:xfrm>
           <a:prstGeom prst="rect">
             <a:avLst/>
@@ -731,7 +731,7 @@
         <p:spPr>
           <a:xfrm>
             <a:off x="3884760" y="8685360"/>
-            <a:ext cx="2966400" cy="451800"/>
+            <a:ext cx="2966040" cy="451440"/>
           </a:xfrm>
           <a:prstGeom prst="rect">
             <a:avLst/>
@@ -767,7 +767,7 @@
               </a:lnSpc>
               <a:buNone/>
             </a:pPr>
-            <a:fld id="{BB3A6B6E-6141-4010-A63F-8ED677B5FF85}" type="slidenum">
+            <a:fld id="{5967BDA6-CEC0-4823-B78C-9B2869CF4DEA}" type="slidenum">
               <a:rPr b="0" lang="en-US" sz="1200" spc="-1" strike="noStrike">
                 <a:solidFill>
                   <a:srgbClr val="000000"/>
@@ -818,7 +818,7 @@
         <p:spPr>
           <a:xfrm>
             <a:off x="380880" y="685800"/>
-            <a:ext cx="6090480" cy="3423600"/>
+            <a:ext cx="6090120" cy="3423240"/>
           </a:xfrm>
           <a:prstGeom prst="rect">
             <a:avLst/>
@@ -841,7 +841,7 @@
         <p:spPr>
           <a:xfrm>
             <a:off x="685800" y="4343400"/>
-            <a:ext cx="5481000" cy="4109400"/>
+            <a:ext cx="5480640" cy="4109040"/>
           </a:xfrm>
           <a:prstGeom prst="rect">
             <a:avLst/>
@@ -875,7 +875,7 @@
         <p:spPr>
           <a:xfrm>
             <a:off x="3884760" y="8685360"/>
-            <a:ext cx="2966400" cy="451800"/>
+            <a:ext cx="2966040" cy="451440"/>
           </a:xfrm>
           <a:prstGeom prst="rect">
             <a:avLst/>
@@ -911,7 +911,7 @@
               </a:lnSpc>
               <a:buNone/>
             </a:pPr>
-            <a:fld id="{1882F0AE-25B6-4BC8-854D-6DC78DEFDE2F}" type="slidenum">
+            <a:fld id="{37526C52-E4EE-48F5-8E3E-608CF1CE07AD}" type="slidenum">
               <a:rPr b="0" lang="en-US" sz="1200" spc="-1" strike="noStrike">
                 <a:solidFill>
                   <a:srgbClr val="000000"/>
@@ -962,7 +962,7 @@
         <p:spPr>
           <a:xfrm>
             <a:off x="380880" y="685800"/>
-            <a:ext cx="6090480" cy="3423600"/>
+            <a:ext cx="6090120" cy="3423240"/>
           </a:xfrm>
           <a:prstGeom prst="rect">
             <a:avLst/>
@@ -985,7 +985,7 @@
         <p:spPr>
           <a:xfrm>
             <a:off x="685800" y="4343400"/>
-            <a:ext cx="5481000" cy="4109400"/>
+            <a:ext cx="5480640" cy="4109040"/>
           </a:xfrm>
           <a:prstGeom prst="rect">
             <a:avLst/>
@@ -1019,7 +1019,7 @@
         <p:spPr>
           <a:xfrm>
             <a:off x="3884760" y="8685360"/>
-            <a:ext cx="2966400" cy="451800"/>
+            <a:ext cx="2966040" cy="451440"/>
           </a:xfrm>
           <a:prstGeom prst="rect">
             <a:avLst/>
@@ -1055,7 +1055,7 @@
               </a:lnSpc>
               <a:buNone/>
             </a:pPr>
-            <a:fld id="{9B2118B7-30EC-40BA-A7A2-BB06FF9CFE44}" type="slidenum">
+            <a:fld id="{6595C257-0F2D-47C6-BB53-D3B17C3FA7D2}" type="slidenum">
               <a:rPr b="0" lang="en-US" sz="1200" spc="-1" strike="noStrike">
                 <a:solidFill>
                   <a:srgbClr val="000000"/>
@@ -1106,7 +1106,7 @@
         <p:spPr>
           <a:xfrm>
             <a:off x="380880" y="685800"/>
-            <a:ext cx="6090480" cy="3423600"/>
+            <a:ext cx="6090120" cy="3423240"/>
           </a:xfrm>
           <a:prstGeom prst="rect">
             <a:avLst/>
@@ -1129,7 +1129,7 @@
         <p:spPr>
           <a:xfrm>
             <a:off x="685800" y="4343400"/>
-            <a:ext cx="5481000" cy="4109400"/>
+            <a:ext cx="5480640" cy="4109040"/>
           </a:xfrm>
           <a:prstGeom prst="rect">
             <a:avLst/>
@@ -1163,7 +1163,7 @@
         <p:spPr>
           <a:xfrm>
             <a:off x="3884760" y="8685360"/>
-            <a:ext cx="2966400" cy="451800"/>
+            <a:ext cx="2966040" cy="451440"/>
           </a:xfrm>
           <a:prstGeom prst="rect">
             <a:avLst/>
@@ -1199,7 +1199,7 @@
               </a:lnSpc>
               <a:buNone/>
             </a:pPr>
-            <a:fld id="{8D73E469-386E-4982-B92B-24166487EE80}" type="slidenum">
+            <a:fld id="{A4570D7D-6720-41D9-A9D9-3444D744CDD9}" type="slidenum">
               <a:rPr b="0" lang="en-US" sz="1200" spc="-1" strike="noStrike">
                 <a:solidFill>
                   <a:srgbClr val="000000"/>
@@ -1250,7 +1250,7 @@
         <p:spPr>
           <a:xfrm>
             <a:off x="380880" y="685800"/>
-            <a:ext cx="6090480" cy="3423600"/>
+            <a:ext cx="6090120" cy="3423240"/>
           </a:xfrm>
           <a:prstGeom prst="rect">
             <a:avLst/>
@@ -1273,7 +1273,7 @@
         <p:spPr>
           <a:xfrm>
             <a:off x="685800" y="4343400"/>
-            <a:ext cx="5481000" cy="4109400"/>
+            <a:ext cx="5480640" cy="4109040"/>
           </a:xfrm>
           <a:prstGeom prst="rect">
             <a:avLst/>
@@ -1307,7 +1307,7 @@
         <p:spPr>
           <a:xfrm>
             <a:off x="3884760" y="8685360"/>
-            <a:ext cx="2966400" cy="451800"/>
+            <a:ext cx="2966040" cy="451440"/>
           </a:xfrm>
           <a:prstGeom prst="rect">
             <a:avLst/>
@@ -1343,7 +1343,7 @@
               </a:lnSpc>
               <a:buNone/>
             </a:pPr>
-            <a:fld id="{44E38367-AD2A-4364-97DE-AA8E2D1503E1}" type="slidenum">
+            <a:fld id="{7F4E98BD-96BE-4E83-9D52-D33D3FE83E7B}" type="slidenum">
               <a:rPr b="0" lang="en-US" sz="1200" spc="-1" strike="noStrike">
                 <a:solidFill>
                   <a:srgbClr val="000000"/>
@@ -1394,7 +1394,7 @@
         <p:spPr>
           <a:xfrm>
             <a:off x="380880" y="685800"/>
-            <a:ext cx="6090480" cy="3423600"/>
+            <a:ext cx="6090120" cy="3423240"/>
           </a:xfrm>
           <a:prstGeom prst="rect">
             <a:avLst/>
@@ -1417,7 +1417,7 @@
         <p:spPr>
           <a:xfrm>
             <a:off x="685800" y="4343400"/>
-            <a:ext cx="5481000" cy="4109400"/>
+            <a:ext cx="5480640" cy="4109040"/>
           </a:xfrm>
           <a:prstGeom prst="rect">
             <a:avLst/>
@@ -1451,7 +1451,7 @@
         <p:spPr>
           <a:xfrm>
             <a:off x="3884760" y="8685360"/>
-            <a:ext cx="2966400" cy="451800"/>
+            <a:ext cx="2966040" cy="451440"/>
           </a:xfrm>
           <a:prstGeom prst="rect">
             <a:avLst/>
@@ -1487,7 +1487,7 @@
               </a:lnSpc>
               <a:buNone/>
             </a:pPr>
-            <a:fld id="{166CF1DE-6775-4A7E-9183-DDD35BEB58CA}" type="slidenum">
+            <a:fld id="{4DA69651-EFE7-495A-BC2C-7CEB649A4485}" type="slidenum">
               <a:rPr b="0" lang="en-US" sz="1200" spc="-1" strike="noStrike">
                 <a:solidFill>
                   <a:srgbClr val="000000"/>
@@ -1538,7 +1538,7 @@
         <p:spPr>
           <a:xfrm>
             <a:off x="380880" y="685800"/>
-            <a:ext cx="6090480" cy="3423600"/>
+            <a:ext cx="6090120" cy="3423240"/>
           </a:xfrm>
           <a:prstGeom prst="rect">
             <a:avLst/>
@@ -1561,7 +1561,7 @@
         <p:spPr>
           <a:xfrm>
             <a:off x="685800" y="4343400"/>
-            <a:ext cx="5481000" cy="4109400"/>
+            <a:ext cx="5480640" cy="4109040"/>
           </a:xfrm>
           <a:prstGeom prst="rect">
             <a:avLst/>
@@ -1595,7 +1595,7 @@
         <p:spPr>
           <a:xfrm>
             <a:off x="3884760" y="8685360"/>
-            <a:ext cx="2966400" cy="451800"/>
+            <a:ext cx="2966040" cy="451440"/>
           </a:xfrm>
           <a:prstGeom prst="rect">
             <a:avLst/>
@@ -1631,7 +1631,7 @@
               </a:lnSpc>
               <a:buNone/>
             </a:pPr>
-            <a:fld id="{53D4A066-F984-458F-A3A9-0065EE0D867A}" type="slidenum">
+            <a:fld id="{D078A07E-3080-4344-8ABE-589F522B4999}" type="slidenum">
               <a:rPr b="0" lang="en-US" sz="1200" spc="-1" strike="noStrike">
                 <a:solidFill>
                   <a:srgbClr val="000000"/>
@@ -1682,7 +1682,7 @@
         <p:spPr>
           <a:xfrm>
             <a:off x="380880" y="685800"/>
-            <a:ext cx="6090480" cy="3423600"/>
+            <a:ext cx="6090120" cy="3423240"/>
           </a:xfrm>
           <a:prstGeom prst="rect">
             <a:avLst/>
@@ -1705,7 +1705,7 @@
         <p:spPr>
           <a:xfrm>
             <a:off x="685800" y="4343400"/>
-            <a:ext cx="5481000" cy="4109400"/>
+            <a:ext cx="5480640" cy="4109040"/>
           </a:xfrm>
           <a:prstGeom prst="rect">
             <a:avLst/>
@@ -1739,7 +1739,7 @@
         <p:spPr>
           <a:xfrm>
             <a:off x="3884760" y="8685360"/>
-            <a:ext cx="2966400" cy="451800"/>
+            <a:ext cx="2966040" cy="451440"/>
           </a:xfrm>
           <a:prstGeom prst="rect">
             <a:avLst/>
@@ -1775,7 +1775,7 @@
               </a:lnSpc>
               <a:buNone/>
             </a:pPr>
-            <a:fld id="{484FFEB0-472E-474D-9E40-6CC47DE5C3C3}" type="slidenum">
+            <a:fld id="{4DE1CF72-3232-472F-9D01-19376BAB1429}" type="slidenum">
               <a:rPr b="0" lang="en-US" sz="1200" spc="-1" strike="noStrike">
                 <a:solidFill>
                   <a:srgbClr val="000000"/>
@@ -1826,7 +1826,7 @@
         <p:spPr>
           <a:xfrm>
             <a:off x="380880" y="685800"/>
-            <a:ext cx="6090480" cy="3423600"/>
+            <a:ext cx="6090120" cy="3423240"/>
           </a:xfrm>
           <a:prstGeom prst="rect">
             <a:avLst/>
@@ -1849,7 +1849,7 @@
         <p:spPr>
           <a:xfrm>
             <a:off x="685800" y="4343400"/>
-            <a:ext cx="5481000" cy="4109400"/>
+            <a:ext cx="5480640" cy="4109040"/>
           </a:xfrm>
           <a:prstGeom prst="rect">
             <a:avLst/>
@@ -1883,7 +1883,7 @@
         <p:spPr>
           <a:xfrm>
             <a:off x="3884760" y="8685360"/>
-            <a:ext cx="2966400" cy="451800"/>
+            <a:ext cx="2966040" cy="451440"/>
           </a:xfrm>
           <a:prstGeom prst="rect">
             <a:avLst/>
@@ -1919,7 +1919,7 @@
               </a:lnSpc>
               <a:buNone/>
             </a:pPr>
-            <a:fld id="{E3BADB17-092A-4F91-B2F3-9D6C103E8F6B}" type="slidenum">
+            <a:fld id="{7F6B5877-9881-4874-A41C-C0FBAB0EC568}" type="slidenum">
               <a:rPr b="0" lang="en-US" sz="1200" spc="-1" strike="noStrike">
                 <a:solidFill>
                   <a:srgbClr val="000000"/>
@@ -1970,7 +1970,7 @@
         <p:spPr>
           <a:xfrm>
             <a:off x="380880" y="685800"/>
-            <a:ext cx="6090480" cy="3423600"/>
+            <a:ext cx="6090120" cy="3423240"/>
           </a:xfrm>
           <a:prstGeom prst="rect">
             <a:avLst/>
@@ -1993,7 +1993,7 @@
         <p:spPr>
           <a:xfrm>
             <a:off x="685800" y="4343400"/>
-            <a:ext cx="5481000" cy="4109400"/>
+            <a:ext cx="5480640" cy="4109040"/>
           </a:xfrm>
           <a:prstGeom prst="rect">
             <a:avLst/>
@@ -2027,7 +2027,7 @@
         <p:spPr>
           <a:xfrm>
             <a:off x="3884760" y="8685360"/>
-            <a:ext cx="2966400" cy="451800"/>
+            <a:ext cx="2966040" cy="451440"/>
           </a:xfrm>
           <a:prstGeom prst="rect">
             <a:avLst/>
@@ -2063,7 +2063,7 @@
               </a:lnSpc>
               <a:buNone/>
             </a:pPr>
-            <a:fld id="{33A954A5-9032-4D44-A48D-36245277E0D7}" type="slidenum">
+            <a:fld id="{B5674585-1FE9-45BC-AC4F-7F6F3134BD1F}" type="slidenum">
               <a:rPr b="0" lang="en-US" sz="1200" spc="-1" strike="noStrike">
                 <a:solidFill>
                   <a:srgbClr val="000000"/>
@@ -2114,7 +2114,7 @@
         <p:spPr>
           <a:xfrm>
             <a:off x="380880" y="685800"/>
-            <a:ext cx="6090480" cy="3423600"/>
+            <a:ext cx="6090120" cy="3423240"/>
           </a:xfrm>
           <a:prstGeom prst="rect">
             <a:avLst/>
@@ -2137,7 +2137,7 @@
         <p:spPr>
           <a:xfrm>
             <a:off x="685800" y="4343400"/>
-            <a:ext cx="5481000" cy="4109400"/>
+            <a:ext cx="5480640" cy="4109040"/>
           </a:xfrm>
           <a:prstGeom prst="rect">
             <a:avLst/>
@@ -2171,7 +2171,7 @@
         <p:spPr>
           <a:xfrm>
             <a:off x="3884760" y="8685360"/>
-            <a:ext cx="2966400" cy="451800"/>
+            <a:ext cx="2966040" cy="451440"/>
           </a:xfrm>
           <a:prstGeom prst="rect">
             <a:avLst/>
@@ -2207,7 +2207,7 @@
               </a:lnSpc>
               <a:buNone/>
             </a:pPr>
-            <a:fld id="{92DC51AE-A21B-473B-B410-9AFE4F996F38}" type="slidenum">
+            <a:fld id="{0E24CEB0-EFBC-4291-8163-F7C33969995B}" type="slidenum">
               <a:rPr b="0" lang="en-US" sz="1200" spc="-1" strike="noStrike">
                 <a:solidFill>
                   <a:srgbClr val="000000"/>
@@ -2258,7 +2258,7 @@
         <p:spPr>
           <a:xfrm>
             <a:off x="380880" y="685800"/>
-            <a:ext cx="6090480" cy="3423600"/>
+            <a:ext cx="6090120" cy="3423240"/>
           </a:xfrm>
           <a:prstGeom prst="rect">
             <a:avLst/>
@@ -2281,7 +2281,7 @@
         <p:spPr>
           <a:xfrm>
             <a:off x="685800" y="4343400"/>
-            <a:ext cx="5481000" cy="4109400"/>
+            <a:ext cx="5480640" cy="4109040"/>
           </a:xfrm>
           <a:prstGeom prst="rect">
             <a:avLst/>
@@ -2315,7 +2315,7 @@
         <p:spPr>
           <a:xfrm>
             <a:off x="3884760" y="8685360"/>
-            <a:ext cx="2966400" cy="451800"/>
+            <a:ext cx="2966040" cy="451440"/>
           </a:xfrm>
           <a:prstGeom prst="rect">
             <a:avLst/>
@@ -2351,7 +2351,7 @@
               </a:lnSpc>
               <a:buNone/>
             </a:pPr>
-            <a:fld id="{A60EDEE6-9F4C-41B2-B618-95F6255AA13A}" type="slidenum">
+            <a:fld id="{FEFCEC88-DF90-46B5-A4C1-374C225E501E}" type="slidenum">
               <a:rPr b="0" lang="en-US" sz="1200" spc="-1" strike="noStrike">
                 <a:solidFill>
                   <a:srgbClr val="000000"/>
@@ -2402,7 +2402,7 @@
         <p:spPr>
           <a:xfrm>
             <a:off x="380880" y="685800"/>
-            <a:ext cx="6090480" cy="3423600"/>
+            <a:ext cx="6090120" cy="3423240"/>
           </a:xfrm>
           <a:prstGeom prst="rect">
             <a:avLst/>
@@ -2425,7 +2425,7 @@
         <p:spPr>
           <a:xfrm>
             <a:off x="685800" y="4343400"/>
-            <a:ext cx="5481000" cy="4109400"/>
+            <a:ext cx="5480640" cy="4109040"/>
           </a:xfrm>
           <a:prstGeom prst="rect">
             <a:avLst/>
@@ -2459,7 +2459,7 @@
         <p:spPr>
           <a:xfrm>
             <a:off x="3884760" y="8685360"/>
-            <a:ext cx="2966400" cy="451800"/>
+            <a:ext cx="2966040" cy="451440"/>
           </a:xfrm>
           <a:prstGeom prst="rect">
             <a:avLst/>
@@ -2495,7 +2495,7 @@
               </a:lnSpc>
               <a:buNone/>
             </a:pPr>
-            <a:fld id="{346B2616-2ED9-4FCD-A020-1E9E0217328F}" type="slidenum">
+            <a:fld id="{814F8A3B-E656-49EF-B0A8-1F02D10F371F}" type="slidenum">
               <a:rPr b="0" lang="en-US" sz="1200" spc="-1" strike="noStrike">
                 <a:solidFill>
                   <a:srgbClr val="000000"/>
@@ -2546,7 +2546,7 @@
         <p:spPr>
           <a:xfrm>
             <a:off x="380880" y="685800"/>
-            <a:ext cx="6090480" cy="3423600"/>
+            <a:ext cx="6090120" cy="3423240"/>
           </a:xfrm>
           <a:prstGeom prst="rect">
             <a:avLst/>
@@ -2569,7 +2569,7 @@
         <p:spPr>
           <a:xfrm>
             <a:off x="685800" y="4343400"/>
-            <a:ext cx="5481000" cy="4109400"/>
+            <a:ext cx="5480640" cy="4109040"/>
           </a:xfrm>
           <a:prstGeom prst="rect">
             <a:avLst/>
@@ -2603,7 +2603,7 @@
         <p:spPr>
           <a:xfrm>
             <a:off x="3884760" y="8685360"/>
-            <a:ext cx="2966400" cy="451800"/>
+            <a:ext cx="2966040" cy="451440"/>
           </a:xfrm>
           <a:prstGeom prst="rect">
             <a:avLst/>
@@ -2639,7 +2639,7 @@
               </a:lnSpc>
               <a:buNone/>
             </a:pPr>
-            <a:fld id="{DD7245FC-DA1B-4DDA-AB80-BCC7353C45C2}" type="slidenum">
+            <a:fld id="{4EB70C5A-3B1D-48DC-B61C-9BDF3B9563AF}" type="slidenum">
               <a:rPr b="0" lang="en-US" sz="1200" spc="-1" strike="noStrike">
                 <a:solidFill>
                   <a:srgbClr val="000000"/>
@@ -2690,7 +2690,7 @@
         <p:spPr>
           <a:xfrm>
             <a:off x="380880" y="685800"/>
-            <a:ext cx="6090480" cy="3423600"/>
+            <a:ext cx="6090120" cy="3423240"/>
           </a:xfrm>
           <a:prstGeom prst="rect">
             <a:avLst/>
@@ -2713,7 +2713,7 @@
         <p:spPr>
           <a:xfrm>
             <a:off x="685800" y="4343400"/>
-            <a:ext cx="5481000" cy="4109400"/>
+            <a:ext cx="5480640" cy="4109040"/>
           </a:xfrm>
           <a:prstGeom prst="rect">
             <a:avLst/>
@@ -2747,7 +2747,7 @@
         <p:spPr>
           <a:xfrm>
             <a:off x="3884760" y="8685360"/>
-            <a:ext cx="2966400" cy="451800"/>
+            <a:ext cx="2966040" cy="451440"/>
           </a:xfrm>
           <a:prstGeom prst="rect">
             <a:avLst/>
@@ -2783,7 +2783,7 @@
               </a:lnSpc>
               <a:buNone/>
             </a:pPr>
-            <a:fld id="{21009CF2-FF3A-4C5B-AB8E-E3AFDE171692}" type="slidenum">
+            <a:fld id="{D11EAEC9-F292-4550-9760-62DEB8194C16}" type="slidenum">
               <a:rPr b="0" lang="en-US" sz="1200" spc="-1" strike="noStrike">
                 <a:solidFill>
                   <a:srgbClr val="000000"/>
@@ -2834,7 +2834,7 @@
         <p:spPr>
           <a:xfrm>
             <a:off x="380880" y="685800"/>
-            <a:ext cx="6090480" cy="3423600"/>
+            <a:ext cx="6090120" cy="3423240"/>
           </a:xfrm>
           <a:prstGeom prst="rect">
             <a:avLst/>
@@ -2857,7 +2857,7 @@
         <p:spPr>
           <a:xfrm>
             <a:off x="685800" y="4343400"/>
-            <a:ext cx="5481000" cy="4109400"/>
+            <a:ext cx="5480640" cy="4109040"/>
           </a:xfrm>
           <a:prstGeom prst="rect">
             <a:avLst/>
@@ -2891,7 +2891,7 @@
         <p:spPr>
           <a:xfrm>
             <a:off x="3884760" y="8685360"/>
-            <a:ext cx="2966400" cy="451800"/>
+            <a:ext cx="2966040" cy="451440"/>
           </a:xfrm>
           <a:prstGeom prst="rect">
             <a:avLst/>
@@ -2927,7 +2927,7 @@
               </a:lnSpc>
               <a:buNone/>
             </a:pPr>
-            <a:fld id="{8D2EECD0-E41E-418F-92FA-BEF72E15E961}" type="slidenum">
+            <a:fld id="{57D16B25-4A09-4DB2-908B-E295FAA288DA}" type="slidenum">
               <a:rPr b="0" lang="en-US" sz="1200" spc="-1" strike="noStrike">
                 <a:solidFill>
                   <a:srgbClr val="000000"/>
@@ -2978,7 +2978,7 @@
         <p:spPr>
           <a:xfrm>
             <a:off x="380880" y="685800"/>
-            <a:ext cx="6090480" cy="3423600"/>
+            <a:ext cx="6090120" cy="3423240"/>
           </a:xfrm>
           <a:prstGeom prst="rect">
             <a:avLst/>
@@ -3001,7 +3001,7 @@
         <p:spPr>
           <a:xfrm>
             <a:off x="685800" y="4343400"/>
-            <a:ext cx="5481000" cy="4109400"/>
+            <a:ext cx="5480640" cy="4109040"/>
           </a:xfrm>
           <a:prstGeom prst="rect">
             <a:avLst/>
@@ -3035,7 +3035,7 @@
         <p:spPr>
           <a:xfrm>
             <a:off x="3884760" y="8685360"/>
-            <a:ext cx="2966400" cy="451800"/>
+            <a:ext cx="2966040" cy="451440"/>
           </a:xfrm>
           <a:prstGeom prst="rect">
             <a:avLst/>
@@ -3071,7 +3071,7 @@
               </a:lnSpc>
               <a:buNone/>
             </a:pPr>
-            <a:fld id="{C15549C2-4DD5-432E-8C02-AC153BC85BF6}" type="slidenum">
+            <a:fld id="{257CB612-5DBE-4285-BEAF-127CCE12C445}" type="slidenum">
               <a:rPr b="0" lang="en-US" sz="1200" spc="-1" strike="noStrike">
                 <a:solidFill>
                   <a:srgbClr val="000000"/>
@@ -3122,7 +3122,7 @@
         <p:spPr>
           <a:xfrm>
             <a:off x="380880" y="685800"/>
-            <a:ext cx="6090480" cy="3423600"/>
+            <a:ext cx="6090120" cy="3423240"/>
           </a:xfrm>
           <a:prstGeom prst="rect">
             <a:avLst/>
@@ -3145,7 +3145,7 @@
         <p:spPr>
           <a:xfrm>
             <a:off x="685800" y="4343400"/>
-            <a:ext cx="5481000" cy="4109400"/>
+            <a:ext cx="5480640" cy="4109040"/>
           </a:xfrm>
           <a:prstGeom prst="rect">
             <a:avLst/>
@@ -3179,7 +3179,7 @@
         <p:spPr>
           <a:xfrm>
             <a:off x="3884760" y="8685360"/>
-            <a:ext cx="2966400" cy="451800"/>
+            <a:ext cx="2966040" cy="451440"/>
           </a:xfrm>
           <a:prstGeom prst="rect">
             <a:avLst/>
@@ -3215,7 +3215,7 @@
               </a:lnSpc>
               <a:buNone/>
             </a:pPr>
-            <a:fld id="{C196B3BB-022C-45AE-AB28-35C91B64364C}" type="slidenum">
+            <a:fld id="{408D9869-3B96-4ABA-869F-EC469F5D254A}" type="slidenum">
               <a:rPr b="0" lang="en-US" sz="1200" spc="-1" strike="noStrike">
                 <a:solidFill>
                   <a:srgbClr val="000000"/>
@@ -3266,7 +3266,7 @@
         <p:spPr>
           <a:xfrm>
             <a:off x="380880" y="685800"/>
-            <a:ext cx="6090480" cy="3423600"/>
+            <a:ext cx="6090120" cy="3423240"/>
           </a:xfrm>
           <a:prstGeom prst="rect">
             <a:avLst/>
@@ -3289,7 +3289,7 @@
         <p:spPr>
           <a:xfrm>
             <a:off x="685800" y="4343400"/>
-            <a:ext cx="5481000" cy="4109400"/>
+            <a:ext cx="5480640" cy="4109040"/>
           </a:xfrm>
           <a:prstGeom prst="rect">
             <a:avLst/>
@@ -3323,7 +3323,7 @@
         <p:spPr>
           <a:xfrm>
             <a:off x="3884760" y="8685360"/>
-            <a:ext cx="2966400" cy="451800"/>
+            <a:ext cx="2966040" cy="451440"/>
           </a:xfrm>
           <a:prstGeom prst="rect">
             <a:avLst/>
@@ -3359,7 +3359,7 @@
               </a:lnSpc>
               <a:buNone/>
             </a:pPr>
-            <a:fld id="{1F3F1003-386E-4372-A60C-DF007009144A}" type="slidenum">
+            <a:fld id="{E30F3724-2384-4E51-92BA-972EB5C813A8}" type="slidenum">
               <a:rPr b="0" lang="en-US" sz="1200" spc="-1" strike="noStrike">
                 <a:solidFill>
                   <a:srgbClr val="000000"/>
@@ -3410,7 +3410,7 @@
         <p:spPr>
           <a:xfrm>
             <a:off x="380880" y="685800"/>
-            <a:ext cx="6090480" cy="3423600"/>
+            <a:ext cx="6090120" cy="3423240"/>
           </a:xfrm>
           <a:prstGeom prst="rect">
             <a:avLst/>
@@ -3433,7 +3433,7 @@
         <p:spPr>
           <a:xfrm>
             <a:off x="685800" y="4343400"/>
-            <a:ext cx="5481000" cy="4109400"/>
+            <a:ext cx="5480640" cy="4109040"/>
           </a:xfrm>
           <a:prstGeom prst="rect">
             <a:avLst/>
@@ -3467,7 +3467,7 @@
         <p:spPr>
           <a:xfrm>
             <a:off x="3884760" y="8685360"/>
-            <a:ext cx="2966400" cy="451800"/>
+            <a:ext cx="2966040" cy="451440"/>
           </a:xfrm>
           <a:prstGeom prst="rect">
             <a:avLst/>
@@ -3503,7 +3503,7 @@
               </a:lnSpc>
               <a:buNone/>
             </a:pPr>
-            <a:fld id="{FB799649-66E7-4033-A733-DF3BCCBAC9B2}" type="slidenum">
+            <a:fld id="{1F92B87E-B3F7-4F4C-BE3C-1DD91F8B292F}" type="slidenum">
               <a:rPr b="0" lang="en-US" sz="1200" spc="-1" strike="noStrike">
                 <a:solidFill>
                   <a:srgbClr val="000000"/>
@@ -3554,7 +3554,7 @@
         <p:spPr>
           <a:xfrm>
             <a:off x="380880" y="685800"/>
-            <a:ext cx="6090480" cy="3423600"/>
+            <a:ext cx="6090120" cy="3423240"/>
           </a:xfrm>
           <a:prstGeom prst="rect">
             <a:avLst/>
@@ -3577,7 +3577,7 @@
         <p:spPr>
           <a:xfrm>
             <a:off x="685800" y="4343400"/>
-            <a:ext cx="5481000" cy="4109400"/>
+            <a:ext cx="5480640" cy="4109040"/>
           </a:xfrm>
           <a:prstGeom prst="rect">
             <a:avLst/>
@@ -3611,7 +3611,7 @@
         <p:spPr>
           <a:xfrm>
             <a:off x="3884760" y="8685360"/>
-            <a:ext cx="2966400" cy="451800"/>
+            <a:ext cx="2966040" cy="451440"/>
           </a:xfrm>
           <a:prstGeom prst="rect">
             <a:avLst/>
@@ -3647,7 +3647,7 @@
               </a:lnSpc>
               <a:buNone/>
             </a:pPr>
-            <a:fld id="{4203BC62-C839-4A00-899E-961D8C9DC585}" type="slidenum">
+            <a:fld id="{5F18F419-CE82-4A23-9CE8-C49D11ABA140}" type="slidenum">
               <a:rPr b="0" lang="en-US" sz="1200" spc="-1" strike="noStrike">
                 <a:solidFill>
                   <a:srgbClr val="000000"/>
@@ -3698,7 +3698,7 @@
         <p:spPr>
           <a:xfrm>
             <a:off x="380880" y="685800"/>
-            <a:ext cx="6090480" cy="3423600"/>
+            <a:ext cx="6090120" cy="3423240"/>
           </a:xfrm>
           <a:prstGeom prst="rect">
             <a:avLst/>
@@ -3721,7 +3721,7 @@
         <p:spPr>
           <a:xfrm>
             <a:off x="685800" y="4343400"/>
-            <a:ext cx="5481000" cy="4109400"/>
+            <a:ext cx="5480640" cy="4109040"/>
           </a:xfrm>
           <a:prstGeom prst="rect">
             <a:avLst/>
@@ -3755,7 +3755,7 @@
         <p:spPr>
           <a:xfrm>
             <a:off x="3884760" y="8685360"/>
-            <a:ext cx="2966400" cy="451800"/>
+            <a:ext cx="2966040" cy="451440"/>
           </a:xfrm>
           <a:prstGeom prst="rect">
             <a:avLst/>
@@ -3791,7 +3791,7 @@
               </a:lnSpc>
               <a:buNone/>
             </a:pPr>
-            <a:fld id="{685FAA97-EC0A-4B9E-BE34-DF0CDD3CBC71}" type="slidenum">
+            <a:fld id="{8F02B19F-4967-4AA7-B348-54E8BBC1C4B3}" type="slidenum">
               <a:rPr b="0" lang="en-US" sz="1200" spc="-1" strike="noStrike">
                 <a:solidFill>
                   <a:srgbClr val="000000"/>
@@ -3842,7 +3842,7 @@
         <p:spPr>
           <a:xfrm>
             <a:off x="380880" y="685800"/>
-            <a:ext cx="6090480" cy="3423600"/>
+            <a:ext cx="6090120" cy="3423240"/>
           </a:xfrm>
           <a:prstGeom prst="rect">
             <a:avLst/>
@@ -3865,7 +3865,7 @@
         <p:spPr>
           <a:xfrm>
             <a:off x="685800" y="4343400"/>
-            <a:ext cx="5481000" cy="4109400"/>
+            <a:ext cx="5480640" cy="4109040"/>
           </a:xfrm>
           <a:prstGeom prst="rect">
             <a:avLst/>
@@ -3899,7 +3899,7 @@
         <p:spPr>
           <a:xfrm>
             <a:off x="3884760" y="8685360"/>
-            <a:ext cx="2966400" cy="451800"/>
+            <a:ext cx="2966040" cy="451440"/>
           </a:xfrm>
           <a:prstGeom prst="rect">
             <a:avLst/>
@@ -3935,7 +3935,7 @@
               </a:lnSpc>
               <a:buNone/>
             </a:pPr>
-            <a:fld id="{A9FC5AD0-1B07-4681-BAC2-FBE57C6D66A9}" type="slidenum">
+            <a:fld id="{D89D8715-A9D8-4899-B4A8-7AB3E5D79E03}" type="slidenum">
               <a:rPr b="0" lang="en-US" sz="1200" spc="-1" strike="noStrike">
                 <a:solidFill>
                   <a:srgbClr val="000000"/>
@@ -3986,7 +3986,7 @@
         <p:spPr>
           <a:xfrm>
             <a:off x="380880" y="685800"/>
-            <a:ext cx="6090480" cy="3423600"/>
+            <a:ext cx="6090120" cy="3423240"/>
           </a:xfrm>
           <a:prstGeom prst="rect">
             <a:avLst/>
@@ -4009,7 +4009,7 @@
         <p:spPr>
           <a:xfrm>
             <a:off x="685800" y="4343400"/>
-            <a:ext cx="5481000" cy="4109400"/>
+            <a:ext cx="5480640" cy="4109040"/>
           </a:xfrm>
           <a:prstGeom prst="rect">
             <a:avLst/>
@@ -4043,7 +4043,7 @@
         <p:spPr>
           <a:xfrm>
             <a:off x="3884760" y="8685360"/>
-            <a:ext cx="2966400" cy="451800"/>
+            <a:ext cx="2966040" cy="451440"/>
           </a:xfrm>
           <a:prstGeom prst="rect">
             <a:avLst/>
@@ -4079,7 +4079,7 @@
               </a:lnSpc>
               <a:buNone/>
             </a:pPr>
-            <a:fld id="{95DCA23B-5BB8-4BD7-BEA3-19588CC777FA}" type="slidenum">
+            <a:fld id="{BC6DCA47-B3D7-4D2E-8F5A-E2705524FE57}" type="slidenum">
               <a:rPr b="0" lang="en-US" sz="1200" spc="-1" strike="noStrike">
                 <a:solidFill>
                   <a:srgbClr val="000000"/>
@@ -4130,7 +4130,7 @@
         <p:spPr>
           <a:xfrm>
             <a:off x="380880" y="685800"/>
-            <a:ext cx="6090480" cy="3423600"/>
+            <a:ext cx="6090120" cy="3423240"/>
           </a:xfrm>
           <a:prstGeom prst="rect">
             <a:avLst/>
@@ -4153,7 +4153,7 @@
         <p:spPr>
           <a:xfrm>
             <a:off x="685800" y="4343400"/>
-            <a:ext cx="5481000" cy="4109400"/>
+            <a:ext cx="5480640" cy="4109040"/>
           </a:xfrm>
           <a:prstGeom prst="rect">
             <a:avLst/>
@@ -4187,7 +4187,7 @@
         <p:spPr>
           <a:xfrm>
             <a:off x="3884760" y="8685360"/>
-            <a:ext cx="2966400" cy="451800"/>
+            <a:ext cx="2966040" cy="451440"/>
           </a:xfrm>
           <a:prstGeom prst="rect">
             <a:avLst/>
@@ -4223,7 +4223,7 @@
               </a:lnSpc>
               <a:buNone/>
             </a:pPr>
-            <a:fld id="{41283B5D-B219-4B55-AAD8-5E4B638F7B27}" type="slidenum">
+            <a:fld id="{94C7DD02-978B-4F0B-A7B6-69FAD285240C}" type="slidenum">
               <a:rPr b="0" lang="en-US" sz="1200" spc="-1" strike="noStrike">
                 <a:solidFill>
                   <a:srgbClr val="000000"/>
@@ -4274,7 +4274,7 @@
         <p:spPr>
           <a:xfrm>
             <a:off x="380880" y="685800"/>
-            <a:ext cx="6090480" cy="3423600"/>
+            <a:ext cx="6090120" cy="3423240"/>
           </a:xfrm>
           <a:prstGeom prst="rect">
             <a:avLst/>
@@ -4297,7 +4297,7 @@
         <p:spPr>
           <a:xfrm>
             <a:off x="685800" y="4343400"/>
-            <a:ext cx="5481000" cy="4109400"/>
+            <a:ext cx="5480640" cy="4109040"/>
           </a:xfrm>
           <a:prstGeom prst="rect">
             <a:avLst/>
@@ -4331,7 +4331,7 @@
         <p:spPr>
           <a:xfrm>
             <a:off x="3884760" y="8685360"/>
-            <a:ext cx="2966400" cy="451800"/>
+            <a:ext cx="2966040" cy="451440"/>
           </a:xfrm>
           <a:prstGeom prst="rect">
             <a:avLst/>
@@ -4367,7 +4367,7 @@
               </a:lnSpc>
               <a:buNone/>
             </a:pPr>
-            <a:fld id="{D3518C28-974B-4DF2-96E3-4B22BF092038}" type="slidenum">
+            <a:fld id="{F36C77D3-6A72-4004-BFF8-67FBD21E2921}" type="slidenum">
               <a:rPr b="0" lang="en-US" sz="1200" spc="-1" strike="noStrike">
                 <a:solidFill>
                   <a:srgbClr val="000000"/>
@@ -4418,7 +4418,7 @@
         <p:spPr>
           <a:xfrm>
             <a:off x="380880" y="685800"/>
-            <a:ext cx="6090480" cy="3423600"/>
+            <a:ext cx="6090120" cy="3423240"/>
           </a:xfrm>
           <a:prstGeom prst="rect">
             <a:avLst/>
@@ -4441,7 +4441,7 @@
         <p:spPr>
           <a:xfrm>
             <a:off x="685800" y="4343400"/>
-            <a:ext cx="5481000" cy="4109400"/>
+            <a:ext cx="5480640" cy="4109040"/>
           </a:xfrm>
           <a:prstGeom prst="rect">
             <a:avLst/>
@@ -4475,7 +4475,7 @@
         <p:spPr>
           <a:xfrm>
             <a:off x="3884760" y="8685360"/>
-            <a:ext cx="2966400" cy="451800"/>
+            <a:ext cx="2966040" cy="451440"/>
           </a:xfrm>
           <a:prstGeom prst="rect">
             <a:avLst/>
@@ -4511,7 +4511,7 @@
               </a:lnSpc>
               <a:buNone/>
             </a:pPr>
-            <a:fld id="{445A7467-9127-47FE-8FD2-DA1B865F11AF}" type="slidenum">
+            <a:fld id="{84BFADD4-9B92-4411-97D6-0320BB2B43E2}" type="slidenum">
               <a:rPr b="0" lang="en-US" sz="1200" spc="-1" strike="noStrike">
                 <a:solidFill>
                   <a:srgbClr val="000000"/>
@@ -4562,7 +4562,7 @@
         <p:spPr>
           <a:xfrm>
             <a:off x="380880" y="685800"/>
-            <a:ext cx="6090480" cy="3423600"/>
+            <a:ext cx="6090120" cy="3423240"/>
           </a:xfrm>
           <a:prstGeom prst="rect">
             <a:avLst/>
@@ -4585,7 +4585,7 @@
         <p:spPr>
           <a:xfrm>
             <a:off x="685800" y="4343400"/>
-            <a:ext cx="5481000" cy="4109400"/>
+            <a:ext cx="5480640" cy="4109040"/>
           </a:xfrm>
           <a:prstGeom prst="rect">
             <a:avLst/>
@@ -4619,7 +4619,7 @@
         <p:spPr>
           <a:xfrm>
             <a:off x="3884760" y="8685360"/>
-            <a:ext cx="2966400" cy="451800"/>
+            <a:ext cx="2966040" cy="451440"/>
           </a:xfrm>
           <a:prstGeom prst="rect">
             <a:avLst/>
@@ -4655,7 +4655,7 @@
               </a:lnSpc>
               <a:buNone/>
             </a:pPr>
-            <a:fld id="{EA050DD1-1666-43C1-A3A4-B5C6D3F39066}" type="slidenum">
+            <a:fld id="{390B1B79-C3CA-4817-8F7E-24B99A04CE18}" type="slidenum">
               <a:rPr b="0" lang="en-US" sz="1200" spc="-1" strike="noStrike">
                 <a:solidFill>
                   <a:srgbClr val="000000"/>
@@ -4706,7 +4706,7 @@
         <p:spPr>
           <a:xfrm>
             <a:off x="380880" y="685800"/>
-            <a:ext cx="6090480" cy="3423600"/>
+            <a:ext cx="6090120" cy="3423240"/>
           </a:xfrm>
           <a:prstGeom prst="rect">
             <a:avLst/>
@@ -4729,7 +4729,7 @@
         <p:spPr>
           <a:xfrm>
             <a:off x="685800" y="4343400"/>
-            <a:ext cx="5481000" cy="4109400"/>
+            <a:ext cx="5480640" cy="4109040"/>
           </a:xfrm>
           <a:prstGeom prst="rect">
             <a:avLst/>
@@ -4763,7 +4763,7 @@
         <p:spPr>
           <a:xfrm>
             <a:off x="3884760" y="8685360"/>
-            <a:ext cx="2966400" cy="451800"/>
+            <a:ext cx="2966040" cy="451440"/>
           </a:xfrm>
           <a:prstGeom prst="rect">
             <a:avLst/>
@@ -4799,7 +4799,7 @@
               </a:lnSpc>
               <a:buNone/>
             </a:pPr>
-            <a:fld id="{559CED6A-5737-48A3-B676-328885D90556}" type="slidenum">
+            <a:fld id="{9737BF45-77BA-48B7-B3D6-17015160075D}" type="slidenum">
               <a:rPr b="0" lang="en-US" sz="1200" spc="-1" strike="noStrike">
                 <a:solidFill>
                   <a:srgbClr val="000000"/>
@@ -4850,7 +4850,7 @@
         <p:spPr>
           <a:xfrm>
             <a:off x="380880" y="685800"/>
-            <a:ext cx="6090480" cy="3423600"/>
+            <a:ext cx="6090120" cy="3423240"/>
           </a:xfrm>
           <a:prstGeom prst="rect">
             <a:avLst/>
@@ -4873,7 +4873,7 @@
         <p:spPr>
           <a:xfrm>
             <a:off x="685800" y="4343400"/>
-            <a:ext cx="5481000" cy="4109400"/>
+            <a:ext cx="5480640" cy="4109040"/>
           </a:xfrm>
           <a:prstGeom prst="rect">
             <a:avLst/>
@@ -4907,7 +4907,7 @@
         <p:spPr>
           <a:xfrm>
             <a:off x="3884760" y="8685360"/>
-            <a:ext cx="2966400" cy="451800"/>
+            <a:ext cx="2966040" cy="451440"/>
           </a:xfrm>
           <a:prstGeom prst="rect">
             <a:avLst/>
@@ -4943,7 +4943,7 @@
               </a:lnSpc>
               <a:buNone/>
             </a:pPr>
-            <a:fld id="{4AC88E10-8AA9-4331-90BA-CBDEDA6522D2}" type="slidenum">
+            <a:fld id="{DCA3469F-8111-4673-B8EC-E9A52F85AA37}" type="slidenum">
               <a:rPr b="0" lang="en-US" sz="1200" spc="-1" strike="noStrike">
                 <a:solidFill>
                   <a:srgbClr val="000000"/>
@@ -4994,7 +4994,7 @@
         <p:spPr>
           <a:xfrm>
             <a:off x="380880" y="685800"/>
-            <a:ext cx="6090480" cy="3423600"/>
+            <a:ext cx="6090120" cy="3423240"/>
           </a:xfrm>
           <a:prstGeom prst="rect">
             <a:avLst/>
@@ -5017,7 +5017,7 @@
         <p:spPr>
           <a:xfrm>
             <a:off x="685800" y="4343400"/>
-            <a:ext cx="5481000" cy="4109400"/>
+            <a:ext cx="5480640" cy="4109040"/>
           </a:xfrm>
           <a:prstGeom prst="rect">
             <a:avLst/>
@@ -5051,7 +5051,7 @@
         <p:spPr>
           <a:xfrm>
             <a:off x="3884760" y="8685360"/>
-            <a:ext cx="2966400" cy="451800"/>
+            <a:ext cx="2966040" cy="451440"/>
           </a:xfrm>
           <a:prstGeom prst="rect">
             <a:avLst/>
@@ -5087,7 +5087,7 @@
               </a:lnSpc>
               <a:buNone/>
             </a:pPr>
-            <a:fld id="{3C9B012D-A3AC-4ADB-8EE5-6DF29401984E}" type="slidenum">
+            <a:fld id="{97AB33AA-C750-4511-8CE1-A21DF7ABBEC8}" type="slidenum">
               <a:rPr b="0" lang="en-US" sz="1200" spc="-1" strike="noStrike">
                 <a:solidFill>
                   <a:srgbClr val="000000"/>
@@ -5138,7 +5138,7 @@
         <p:spPr>
           <a:xfrm>
             <a:off x="380880" y="685800"/>
-            <a:ext cx="6090480" cy="3423600"/>
+            <a:ext cx="6090120" cy="3423240"/>
           </a:xfrm>
           <a:prstGeom prst="rect">
             <a:avLst/>
@@ -5161,7 +5161,7 @@
         <p:spPr>
           <a:xfrm>
             <a:off x="685800" y="4343400"/>
-            <a:ext cx="5481000" cy="4109400"/>
+            <a:ext cx="5480640" cy="4109040"/>
           </a:xfrm>
           <a:prstGeom prst="rect">
             <a:avLst/>
@@ -5195,7 +5195,7 @@
         <p:spPr>
           <a:xfrm>
             <a:off x="3884760" y="8685360"/>
-            <a:ext cx="2966400" cy="451800"/>
+            <a:ext cx="2966040" cy="451440"/>
           </a:xfrm>
           <a:prstGeom prst="rect">
             <a:avLst/>
@@ -5231,7 +5231,7 @@
               </a:lnSpc>
               <a:buNone/>
             </a:pPr>
-            <a:fld id="{EEF3A8BF-7BF6-46BF-94AD-E131405AD1B8}" type="slidenum">
+            <a:fld id="{BF26E1B3-AAD4-4D8C-84AF-B4B7BB77AE2E}" type="slidenum">
               <a:rPr b="0" lang="en-US" sz="1200" spc="-1" strike="noStrike">
                 <a:solidFill>
                   <a:srgbClr val="000000"/>
@@ -5282,7 +5282,7 @@
         <p:spPr>
           <a:xfrm>
             <a:off x="380880" y="685800"/>
-            <a:ext cx="6090480" cy="3423600"/>
+            <a:ext cx="6090120" cy="3423240"/>
           </a:xfrm>
           <a:prstGeom prst="rect">
             <a:avLst/>
@@ -5305,7 +5305,7 @@
         <p:spPr>
           <a:xfrm>
             <a:off x="685800" y="4343400"/>
-            <a:ext cx="5481000" cy="4109400"/>
+            <a:ext cx="5480640" cy="4109040"/>
           </a:xfrm>
           <a:prstGeom prst="rect">
             <a:avLst/>
@@ -5339,7 +5339,7 @@
         <p:spPr>
           <a:xfrm>
             <a:off x="3884760" y="8685360"/>
-            <a:ext cx="2966400" cy="451800"/>
+            <a:ext cx="2966040" cy="451440"/>
           </a:xfrm>
           <a:prstGeom prst="rect">
             <a:avLst/>
@@ -5375,7 +5375,7 @@
               </a:lnSpc>
               <a:buNone/>
             </a:pPr>
-            <a:fld id="{B3F0B92B-AACA-4249-B94A-76CDAEF972FA}" type="slidenum">
+            <a:fld id="{771B53A5-E045-4C2A-A1F1-4949E511C4C1}" type="slidenum">
               <a:rPr b="0" lang="en-US" sz="1200" spc="-1" strike="noStrike">
                 <a:solidFill>
                   <a:srgbClr val="000000"/>
@@ -5426,7 +5426,7 @@
         <p:spPr>
           <a:xfrm>
             <a:off x="380880" y="685800"/>
-            <a:ext cx="6090480" cy="3423600"/>
+            <a:ext cx="6090120" cy="3423240"/>
           </a:xfrm>
           <a:prstGeom prst="rect">
             <a:avLst/>
@@ -5449,7 +5449,7 @@
         <p:spPr>
           <a:xfrm>
             <a:off x="685800" y="4343400"/>
-            <a:ext cx="5481000" cy="4109400"/>
+            <a:ext cx="5480640" cy="4109040"/>
           </a:xfrm>
           <a:prstGeom prst="rect">
             <a:avLst/>
@@ -5483,7 +5483,7 @@
         <p:spPr>
           <a:xfrm>
             <a:off x="3884760" y="8685360"/>
-            <a:ext cx="2966400" cy="451800"/>
+            <a:ext cx="2966040" cy="451440"/>
           </a:xfrm>
           <a:prstGeom prst="rect">
             <a:avLst/>
@@ -5519,7 +5519,7 @@
               </a:lnSpc>
               <a:buNone/>
             </a:pPr>
-            <a:fld id="{7131D34C-EF32-477D-A1C8-700A5441FBE6}" type="slidenum">
+            <a:fld id="{902A355E-A3AC-4692-A7CD-F01D1CFDA984}" type="slidenum">
               <a:rPr b="0" lang="en-US" sz="1200" spc="-1" strike="noStrike">
                 <a:solidFill>
                   <a:srgbClr val="000000"/>
@@ -5570,7 +5570,7 @@
         <p:spPr>
           <a:xfrm>
             <a:off x="380880" y="685800"/>
-            <a:ext cx="6090480" cy="3423600"/>
+            <a:ext cx="6090120" cy="3423240"/>
           </a:xfrm>
           <a:prstGeom prst="rect">
             <a:avLst/>
@@ -5593,7 +5593,7 @@
         <p:spPr>
           <a:xfrm>
             <a:off x="685800" y="4343400"/>
-            <a:ext cx="5481000" cy="4109400"/>
+            <a:ext cx="5480640" cy="4109040"/>
           </a:xfrm>
           <a:prstGeom prst="rect">
             <a:avLst/>
@@ -5627,7 +5627,7 @@
         <p:spPr>
           <a:xfrm>
             <a:off x="3884760" y="8685360"/>
-            <a:ext cx="2966400" cy="451800"/>
+            <a:ext cx="2966040" cy="451440"/>
           </a:xfrm>
           <a:prstGeom prst="rect">
             <a:avLst/>
@@ -5663,7 +5663,7 @@
               </a:lnSpc>
               <a:buNone/>
             </a:pPr>
-            <a:fld id="{E6C31234-51D2-4978-875D-9BCFBA072C38}" type="slidenum">
+            <a:fld id="{25DEDA03-D6DB-4E03-901C-A3D160E5D5AC}" type="slidenum">
               <a:rPr b="0" lang="en-US" sz="1200" spc="-1" strike="noStrike">
                 <a:solidFill>
                   <a:srgbClr val="000000"/>
@@ -5714,7 +5714,7 @@
         <p:spPr>
           <a:xfrm>
             <a:off x="380880" y="685800"/>
-            <a:ext cx="6090480" cy="3423600"/>
+            <a:ext cx="6090120" cy="3423240"/>
           </a:xfrm>
           <a:prstGeom prst="rect">
             <a:avLst/>
@@ -5737,7 +5737,7 @@
         <p:spPr>
           <a:xfrm>
             <a:off x="685800" y="4343400"/>
-            <a:ext cx="5481000" cy="4109400"/>
+            <a:ext cx="5480640" cy="4109040"/>
           </a:xfrm>
           <a:prstGeom prst="rect">
             <a:avLst/>
@@ -5771,7 +5771,7 @@
         <p:spPr>
           <a:xfrm>
             <a:off x="3884760" y="8685360"/>
-            <a:ext cx="2966400" cy="451800"/>
+            <a:ext cx="2966040" cy="451440"/>
           </a:xfrm>
           <a:prstGeom prst="rect">
             <a:avLst/>
@@ -5807,7 +5807,7 @@
               </a:lnSpc>
               <a:buNone/>
             </a:pPr>
-            <a:fld id="{7FDFC840-E976-44B0-86AD-7758B5A51F30}" type="slidenum">
+            <a:fld id="{FBB7EB3D-CA00-4D28-A457-50349A698928}" type="slidenum">
               <a:rPr b="0" lang="en-US" sz="1200" spc="-1" strike="noStrike">
                 <a:solidFill>
                   <a:srgbClr val="000000"/>
@@ -5858,7 +5858,7 @@
         <p:spPr>
           <a:xfrm>
             <a:off x="380880" y="685800"/>
-            <a:ext cx="6090480" cy="3423600"/>
+            <a:ext cx="6090120" cy="3423240"/>
           </a:xfrm>
           <a:prstGeom prst="rect">
             <a:avLst/>
@@ -5881,7 +5881,7 @@
         <p:spPr>
           <a:xfrm>
             <a:off x="685800" y="4343400"/>
-            <a:ext cx="5481000" cy="4109400"/>
+            <a:ext cx="5480640" cy="4109040"/>
           </a:xfrm>
           <a:prstGeom prst="rect">
             <a:avLst/>
@@ -5915,7 +5915,7 @@
         <p:spPr>
           <a:xfrm>
             <a:off x="3884760" y="8685360"/>
-            <a:ext cx="2966400" cy="451800"/>
+            <a:ext cx="2966040" cy="451440"/>
           </a:xfrm>
           <a:prstGeom prst="rect">
             <a:avLst/>
@@ -5951,7 +5951,7 @@
               </a:lnSpc>
               <a:buNone/>
             </a:pPr>
-            <a:fld id="{A015A5B3-2909-4D1B-AB3C-89AE70146540}" type="slidenum">
+            <a:fld id="{F6C66D47-A654-4C53-9A86-6E3D5CAE750B}" type="slidenum">
               <a:rPr b="0" lang="en-US" sz="1200" spc="-1" strike="noStrike">
                 <a:solidFill>
                   <a:srgbClr val="000000"/>
@@ -6002,7 +6002,7 @@
         <p:spPr>
           <a:xfrm>
             <a:off x="380880" y="685800"/>
-            <a:ext cx="6090480" cy="3423600"/>
+            <a:ext cx="6090120" cy="3423240"/>
           </a:xfrm>
           <a:prstGeom prst="rect">
             <a:avLst/>
@@ -6025,7 +6025,7 @@
         <p:spPr>
           <a:xfrm>
             <a:off x="685800" y="4343400"/>
-            <a:ext cx="5481000" cy="4109400"/>
+            <a:ext cx="5480640" cy="4109040"/>
           </a:xfrm>
           <a:prstGeom prst="rect">
             <a:avLst/>
@@ -6059,7 +6059,7 @@
         <p:spPr>
           <a:xfrm>
             <a:off x="3884760" y="8685360"/>
-            <a:ext cx="2966400" cy="451800"/>
+            <a:ext cx="2966040" cy="451440"/>
           </a:xfrm>
           <a:prstGeom prst="rect">
             <a:avLst/>
@@ -6095,7 +6095,7 @@
               </a:lnSpc>
               <a:buNone/>
             </a:pPr>
-            <a:fld id="{EA7E6AF5-7EB0-4DB6-B2E2-9F41257B5A16}" type="slidenum">
+            <a:fld id="{E2BFB349-84B1-4714-80A6-68939DA1E160}" type="slidenum">
               <a:rPr b="0" lang="en-US" sz="1200" spc="-1" strike="noStrike">
                 <a:solidFill>
                   <a:srgbClr val="000000"/>
@@ -6146,7 +6146,7 @@
         <p:spPr>
           <a:xfrm>
             <a:off x="380880" y="685800"/>
-            <a:ext cx="6090480" cy="3423600"/>
+            <a:ext cx="6090120" cy="3423240"/>
           </a:xfrm>
           <a:prstGeom prst="rect">
             <a:avLst/>
@@ -6169,7 +6169,7 @@
         <p:spPr>
           <a:xfrm>
             <a:off x="685800" y="4343400"/>
-            <a:ext cx="5481000" cy="4109400"/>
+            <a:ext cx="5480640" cy="4109040"/>
           </a:xfrm>
           <a:prstGeom prst="rect">
             <a:avLst/>
@@ -6203,7 +6203,7 @@
         <p:spPr>
           <a:xfrm>
             <a:off x="3884760" y="8685360"/>
-            <a:ext cx="2966400" cy="451800"/>
+            <a:ext cx="2966040" cy="451440"/>
           </a:xfrm>
           <a:prstGeom prst="rect">
             <a:avLst/>
@@ -6239,7 +6239,7 @@
               </a:lnSpc>
               <a:buNone/>
             </a:pPr>
-            <a:fld id="{9C64D29D-307A-4FC7-B533-1E28C32A85CE}" type="slidenum">
+            <a:fld id="{A9E818F2-0E3B-451D-884B-8869F5948E22}" type="slidenum">
               <a:rPr b="0" lang="en-US" sz="1200" spc="-1" strike="noStrike">
                 <a:solidFill>
                   <a:srgbClr val="000000"/>
@@ -6290,7 +6290,7 @@
         <p:spPr>
           <a:xfrm>
             <a:off x="380880" y="685800"/>
-            <a:ext cx="6090480" cy="3423600"/>
+            <a:ext cx="6090120" cy="3423240"/>
           </a:xfrm>
           <a:prstGeom prst="rect">
             <a:avLst/>
@@ -6313,7 +6313,7 @@
         <p:spPr>
           <a:xfrm>
             <a:off x="685800" y="4343400"/>
-            <a:ext cx="5481000" cy="4109400"/>
+            <a:ext cx="5480640" cy="4109040"/>
           </a:xfrm>
           <a:prstGeom prst="rect">
             <a:avLst/>
@@ -6347,7 +6347,7 @@
         <p:spPr>
           <a:xfrm>
             <a:off x="3884760" y="8685360"/>
-            <a:ext cx="2966400" cy="451800"/>
+            <a:ext cx="2966040" cy="451440"/>
           </a:xfrm>
           <a:prstGeom prst="rect">
             <a:avLst/>
@@ -6383,7 +6383,7 @@
               </a:lnSpc>
               <a:buNone/>
             </a:pPr>
-            <a:fld id="{6418B8A5-CCA1-4D07-8FE8-E01799CABF7E}" type="slidenum">
+            <a:fld id="{E1FB5BF5-F58F-40A1-BE71-1AA86B5C7A5C}" type="slidenum">
               <a:rPr b="0" lang="en-US" sz="1200" spc="-1" strike="noStrike">
                 <a:solidFill>
                   <a:srgbClr val="000000"/>
@@ -6434,7 +6434,7 @@
         <p:spPr>
           <a:xfrm>
             <a:off x="380880" y="685800"/>
-            <a:ext cx="6090480" cy="3423600"/>
+            <a:ext cx="6090120" cy="3423240"/>
           </a:xfrm>
           <a:prstGeom prst="rect">
             <a:avLst/>
@@ -6457,7 +6457,7 @@
         <p:spPr>
           <a:xfrm>
             <a:off x="685800" y="4343400"/>
-            <a:ext cx="5481000" cy="4109400"/>
+            <a:ext cx="5480640" cy="4109040"/>
           </a:xfrm>
           <a:prstGeom prst="rect">
             <a:avLst/>
@@ -6491,7 +6491,7 @@
         <p:spPr>
           <a:xfrm>
             <a:off x="3884760" y="8685360"/>
-            <a:ext cx="2966400" cy="451800"/>
+            <a:ext cx="2966040" cy="451440"/>
           </a:xfrm>
           <a:prstGeom prst="rect">
             <a:avLst/>
@@ -6527,7 +6527,7 @@
               </a:lnSpc>
               <a:buNone/>
             </a:pPr>
-            <a:fld id="{6200F707-05D9-494E-B838-9E1DB51059AA}" type="slidenum">
+            <a:fld id="{0BA8F0C1-5401-4876-9BA6-7A98FA3012CA}" type="slidenum">
               <a:rPr b="0" lang="en-US" sz="1200" spc="-1" strike="noStrike">
                 <a:solidFill>
                   <a:srgbClr val="000000"/>
@@ -6578,7 +6578,7 @@
         <p:spPr>
           <a:xfrm>
             <a:off x="380880" y="685800"/>
-            <a:ext cx="6090480" cy="3423600"/>
+            <a:ext cx="6090120" cy="3423240"/>
           </a:xfrm>
           <a:prstGeom prst="rect">
             <a:avLst/>
@@ -6601,7 +6601,7 @@
         <p:spPr>
           <a:xfrm>
             <a:off x="685800" y="4343400"/>
-            <a:ext cx="5481000" cy="4109400"/>
+            <a:ext cx="5480640" cy="4109040"/>
           </a:xfrm>
           <a:prstGeom prst="rect">
             <a:avLst/>
@@ -6635,7 +6635,7 @@
         <p:spPr>
           <a:xfrm>
             <a:off x="3884760" y="8685360"/>
-            <a:ext cx="2966400" cy="451800"/>
+            <a:ext cx="2966040" cy="451440"/>
           </a:xfrm>
           <a:prstGeom prst="rect">
             <a:avLst/>
@@ -6671,7 +6671,7 @@
               </a:lnSpc>
               <a:buNone/>
             </a:pPr>
-            <a:fld id="{A69CC5FB-78C1-41BA-9962-FC40039070E2}" type="slidenum">
+            <a:fld id="{D5650AD2-AB4D-4579-9904-BFBA33C96063}" type="slidenum">
               <a:rPr b="0" lang="en-US" sz="1200" spc="-1" strike="noStrike">
                 <a:solidFill>
                   <a:srgbClr val="000000"/>
@@ -6722,7 +6722,7 @@
         <p:spPr>
           <a:xfrm>
             <a:off x="380880" y="685800"/>
-            <a:ext cx="6090480" cy="3423600"/>
+            <a:ext cx="6090120" cy="3423240"/>
           </a:xfrm>
           <a:prstGeom prst="rect">
             <a:avLst/>
@@ -6745,7 +6745,7 @@
         <p:spPr>
           <a:xfrm>
             <a:off x="685800" y="4343400"/>
-            <a:ext cx="5481000" cy="4109400"/>
+            <a:ext cx="5480640" cy="4109040"/>
           </a:xfrm>
           <a:prstGeom prst="rect">
             <a:avLst/>
@@ -6779,7 +6779,7 @@
         <p:spPr>
           <a:xfrm>
             <a:off x="3884760" y="8685360"/>
-            <a:ext cx="2966400" cy="451800"/>
+            <a:ext cx="2966040" cy="451440"/>
           </a:xfrm>
           <a:prstGeom prst="rect">
             <a:avLst/>
@@ -6815,7 +6815,7 @@
               </a:lnSpc>
               <a:buNone/>
             </a:pPr>
-            <a:fld id="{8243C774-EC02-4D7E-A65D-63A8D31C8A71}" type="slidenum">
+            <a:fld id="{88096B07-4723-444C-B4E1-F7067244AB62}" type="slidenum">
               <a:rPr b="0" lang="en-US" sz="1200" spc="-1" strike="noStrike">
                 <a:solidFill>
                   <a:srgbClr val="000000"/>
@@ -6866,7 +6866,7 @@
         <p:spPr>
           <a:xfrm>
             <a:off x="380880" y="685800"/>
-            <a:ext cx="6090480" cy="3423600"/>
+            <a:ext cx="6090120" cy="3423240"/>
           </a:xfrm>
           <a:prstGeom prst="rect">
             <a:avLst/>
@@ -6889,7 +6889,7 @@
         <p:spPr>
           <a:xfrm>
             <a:off x="685800" y="4343400"/>
-            <a:ext cx="5481000" cy="4109400"/>
+            <a:ext cx="5480640" cy="4109040"/>
           </a:xfrm>
           <a:prstGeom prst="rect">
             <a:avLst/>
@@ -6923,7 +6923,7 @@
         <p:spPr>
           <a:xfrm>
             <a:off x="3884760" y="8685360"/>
-            <a:ext cx="2966400" cy="451800"/>
+            <a:ext cx="2966040" cy="451440"/>
           </a:xfrm>
           <a:prstGeom prst="rect">
             <a:avLst/>
@@ -6959,7 +6959,7 @@
               </a:lnSpc>
               <a:buNone/>
             </a:pPr>
-            <a:fld id="{342F252D-8E26-410F-8A09-320F30517026}" type="slidenum">
+            <a:fld id="{56ABEFB9-B045-4AA3-8169-E7C8D88BD6EC}" type="slidenum">
               <a:rPr b="0" lang="en-US" sz="1200" spc="-1" strike="noStrike">
                 <a:solidFill>
                   <a:srgbClr val="000000"/>
@@ -7010,7 +7010,7 @@
         <p:spPr>
           <a:xfrm>
             <a:off x="380880" y="685800"/>
-            <a:ext cx="6090480" cy="3423600"/>
+            <a:ext cx="6090120" cy="3423240"/>
           </a:xfrm>
           <a:prstGeom prst="rect">
             <a:avLst/>
@@ -7033,7 +7033,7 @@
         <p:spPr>
           <a:xfrm>
             <a:off x="685800" y="4343400"/>
-            <a:ext cx="5481000" cy="4109400"/>
+            <a:ext cx="5480640" cy="4109040"/>
           </a:xfrm>
           <a:prstGeom prst="rect">
             <a:avLst/>
@@ -7067,7 +7067,7 @@
         <p:spPr>
           <a:xfrm>
             <a:off x="3884760" y="8685360"/>
-            <a:ext cx="2966400" cy="451800"/>
+            <a:ext cx="2966040" cy="451440"/>
           </a:xfrm>
           <a:prstGeom prst="rect">
             <a:avLst/>
@@ -7103,7 +7103,7 @@
               </a:lnSpc>
               <a:buNone/>
             </a:pPr>
-            <a:fld id="{82511180-EA60-4B62-BEED-2A1345022513}" type="slidenum">
+            <a:fld id="{D28BD349-C811-48F2-9743-E0EF95508356}" type="slidenum">
               <a:rPr b="0" lang="en-US" sz="1200" spc="-1" strike="noStrike">
                 <a:solidFill>
                   <a:srgbClr val="000000"/>
@@ -7175,7 +7175,7 @@
         <p:txBody>
           <a:bodyPr/>
           <a:p>
-            <a:fld id="{D427019E-0791-4DF6-AC3F-ABB504EED968}" type="slidenum">
+            <a:fld id="{D8FC46D8-2727-43E8-8D94-9B60934CDAB7}" type="slidenum">
               <a:t>&lt;#&gt;</a:t>
             </a:fld>
           </a:p>
@@ -7363,7 +7363,7 @@
         <p:txBody>
           <a:bodyPr/>
           <a:p>
-            <a:fld id="{7BE0080C-C53A-46F7-877C-3A06908039C7}" type="slidenum">
+            <a:fld id="{A36863C6-7BB7-4097-924F-C310538FA33A}" type="slidenum">
               <a:t>&lt;#&gt;</a:t>
             </a:fld>
           </a:p>
@@ -7619,7 +7619,7 @@
         <p:txBody>
           <a:bodyPr/>
           <a:p>
-            <a:fld id="{92030DD0-4964-4195-9335-5FB77D65A294}" type="slidenum">
+            <a:fld id="{0FEEE700-1463-43AD-8E40-B2165D7CAC21}" type="slidenum">
               <a:t>&lt;#&gt;</a:t>
             </a:fld>
           </a:p>
@@ -7943,7 +7943,7 @@
         <p:txBody>
           <a:bodyPr/>
           <a:p>
-            <a:fld id="{87BED222-39DF-41FD-BD8A-85FF43A325E1}" type="slidenum">
+            <a:fld id="{BD8D8EB8-7039-456A-98DA-A496482B87F3}" type="slidenum">
               <a:t>&lt;#&gt;</a:t>
             </a:fld>
           </a:p>
@@ -8100,7 +8100,7 @@
         <p:txBody>
           <a:bodyPr/>
           <a:p>
-            <a:fld id="{028B9465-E0FE-42DB-8FE3-7AC99F699389}" type="slidenum">
+            <a:fld id="{5700F2A7-E12B-4162-A9F0-05A692828953}" type="slidenum">
               <a:t>&lt;#&gt;</a:t>
             </a:fld>
           </a:p>
@@ -8254,7 +8254,7 @@
         <p:txBody>
           <a:bodyPr/>
           <a:p>
-            <a:fld id="{119C5AD4-1388-491C-8319-AC73915F1ECD}" type="slidenum">
+            <a:fld id="{DBC63BD1-759F-451E-8A47-FFAB16D984C3}" type="slidenum">
               <a:t>&lt;#&gt;</a:t>
             </a:fld>
           </a:p>
@@ -8442,7 +8442,7 @@
         <p:txBody>
           <a:bodyPr/>
           <a:p>
-            <a:fld id="{912E6193-7008-4A93-9C11-90A4AA5D875F}" type="slidenum">
+            <a:fld id="{32B770B3-BCF4-48D5-A693-43FEED090E18}" type="slidenum">
               <a:t>&lt;#&gt;</a:t>
             </a:fld>
           </a:p>
@@ -8562,7 +8562,7 @@
         <p:txBody>
           <a:bodyPr/>
           <a:p>
-            <a:fld id="{C6F0FA0F-B57C-4E16-94CF-8259E809654A}" type="slidenum">
+            <a:fld id="{FE1FA7AF-6260-4C60-8C0E-47F1AD76B4A4}" type="slidenum">
               <a:t>&lt;#&gt;</a:t>
             </a:fld>
           </a:p>
@@ -8682,7 +8682,7 @@
         <p:txBody>
           <a:bodyPr/>
           <a:p>
-            <a:fld id="{1BD345C7-75D1-400F-ADA5-C9908E34422A}" type="slidenum">
+            <a:fld id="{C02E56D3-1D21-487B-A2AA-14173E8E63D4}" type="slidenum">
               <a:t>&lt;#&gt;</a:t>
             </a:fld>
           </a:p>
@@ -8904,7 +8904,7 @@
         <p:txBody>
           <a:bodyPr/>
           <a:p>
-            <a:fld id="{AC43B544-8633-47E5-9711-F7B83AD60725}" type="slidenum">
+            <a:fld id="{C20196B3-A453-4513-A456-906703223ABC}" type="slidenum">
               <a:t>&lt;#&gt;</a:t>
             </a:fld>
           </a:p>
@@ -9126,7 +9126,7 @@
         <p:txBody>
           <a:bodyPr/>
           <a:p>
-            <a:fld id="{BD849F68-3B8B-4A18-8515-836AA2D85D77}" type="slidenum">
+            <a:fld id="{ACD8D0B8-035C-44D9-B9DC-2DF4FEB1961D}" type="slidenum">
               <a:t>&lt;#&gt;</a:t>
             </a:fld>
           </a:p>
@@ -9348,7 +9348,7 @@
         <p:txBody>
           <a:bodyPr/>
           <a:p>
-            <a:fld id="{6961DA6D-6162-4EB2-B129-75A03140DADF}" type="slidenum">
+            <a:fld id="{94CF0F17-0AA2-4AEB-BC0D-6B63E01553FF}" type="slidenum">
               <a:t>&lt;#&gt;</a:t>
             </a:fld>
           </a:p>
@@ -9417,7 +9417,7 @@
         <p:spPr>
           <a:xfrm>
             <a:off x="3028680" y="4771440"/>
-            <a:ext cx="3081240" cy="269280"/>
+            <a:ext cx="3080880" cy="268920"/>
           </a:xfrm>
           <a:prstGeom prst="rect">
             <a:avLst/>
@@ -9461,7 +9461,7 @@
                 <a:latin typeface="Times New Roman"/>
                 <a:ea typeface="DejaVu Sans"/>
               </a:rPr>
-              <a:t> </a:t>
+              <a:t>&lt;footer&gt;</a:t>
             </a:r>
             <a:endParaRPr b="0" lang="en-US" sz="1400" spc="-1" strike="noStrike">
               <a:latin typeface="Times New Roman"/>
@@ -9482,7 +9482,7 @@
         <p:spPr>
           <a:xfrm>
             <a:off x="6457680" y="4771440"/>
-            <a:ext cx="2052720" cy="269280"/>
+            <a:ext cx="2052360" cy="268920"/>
           </a:xfrm>
           <a:prstGeom prst="rect">
             <a:avLst/>
@@ -9518,7 +9518,7 @@
               </a:lnSpc>
               <a:buNone/>
             </a:pPr>
-            <a:fld id="{1CF5BF97-0165-46DB-8319-F802ECFB1898}" type="slidenum">
+            <a:fld id="{E16601C2-914F-492C-BC60-D9DFBAA15B27}" type="slidenum">
               <a:rPr b="0" lang="en-US" sz="1200" spc="-1" strike="noStrike">
                 <a:solidFill>
                   <a:srgbClr val="8b8b8b"/>
@@ -9526,7 +9526,7 @@
                 <a:latin typeface="Calibri"/>
                 <a:ea typeface="DejaVu Sans"/>
               </a:rPr>
-              <a:t>46</a:t>
+              <a:t>&lt;number&gt;</a:t>
             </a:fld>
             <a:endParaRPr b="0" lang="en-US" sz="1200" spc="-1" strike="noStrike">
               <a:latin typeface="Times New Roman"/>
@@ -9547,7 +9547,7 @@
         <p:spPr>
           <a:xfrm>
             <a:off x="628200" y="4771440"/>
-            <a:ext cx="2052720" cy="269280"/>
+            <a:ext cx="2052360" cy="268920"/>
           </a:xfrm>
           <a:prstGeom prst="rect">
             <a:avLst/>
@@ -9573,7 +9573,7 @@
               <a:rPr b="0" lang="en-US" sz="1400" spc="-1" strike="noStrike">
                 <a:latin typeface="Times New Roman"/>
               </a:rPr>
-              <a:t> </a:t>
+              <a:t>&lt;date/time&gt;</a:t>
             </a:r>
             <a:endParaRPr b="0" lang="en-US" sz="1400" spc="-1" strike="noStrike">
               <a:latin typeface="Times New Roman"/>
@@ -9859,8 +9859,8 @@
         </p:nvSpPr>
         <p:spPr>
           <a:xfrm rot="2744400">
-            <a:off x="-279720" y="-25560"/>
-            <a:ext cx="703440" cy="703080"/>
+            <a:off x="-279360" y="-25560"/>
+            <a:ext cx="703080" cy="702720"/>
           </a:xfrm>
           <a:prstGeom prst="roundRect">
             <a:avLst>
@@ -9897,8 +9897,8 @@
         </p:nvSpPr>
         <p:spPr>
           <a:xfrm rot="2625600">
-            <a:off x="6024960" y="4332240"/>
-            <a:ext cx="467280" cy="467280"/>
+            <a:off x="6024960" y="4331880"/>
+            <a:ext cx="466920" cy="466920"/>
           </a:xfrm>
           <a:prstGeom prst="roundRect">
             <a:avLst>
@@ -9935,8 +9935,8 @@
         </p:nvSpPr>
         <p:spPr>
           <a:xfrm rot="18679200">
-            <a:off x="7003080" y="948600"/>
-            <a:ext cx="4938840" cy="4665240"/>
+            <a:off x="7002720" y="948600"/>
+            <a:ext cx="4938480" cy="4664880"/>
           </a:xfrm>
           <a:prstGeom prst="roundRect">
             <a:avLst>
@@ -9974,7 +9974,7 @@
         <p:spPr>
           <a:xfrm>
             <a:off x="459720" y="4671360"/>
-            <a:ext cx="2994480" cy="265320"/>
+            <a:ext cx="2994120" cy="264960"/>
           </a:xfrm>
           <a:prstGeom prst="rect">
             <a:avLst/>
@@ -10039,8 +10039,8 @@
         </p:blipFill>
         <p:spPr>
           <a:xfrm>
-            <a:off x="2423160" y="4671720"/>
-            <a:ext cx="286920" cy="286920"/>
+            <a:off x="3035160" y="4743720"/>
+            <a:ext cx="286560" cy="286560"/>
           </a:xfrm>
           <a:prstGeom prst="rect">
             <a:avLst/>
@@ -10059,7 +10059,7 @@
         <p:spPr>
           <a:xfrm>
             <a:off x="484920" y="1681560"/>
-            <a:ext cx="5479920" cy="1881360"/>
+            <a:ext cx="5479560" cy="1881000"/>
           </a:xfrm>
           <a:prstGeom prst="rect">
             <a:avLst/>
@@ -10147,8 +10147,8 @@
         </p:nvSpPr>
         <p:spPr>
           <a:xfrm rot="2744400">
-            <a:off x="-279720" y="-25560"/>
-            <a:ext cx="703440" cy="703080"/>
+            <a:off x="-279360" y="-25560"/>
+            <a:ext cx="703080" cy="702720"/>
           </a:xfrm>
           <a:prstGeom prst="roundRect">
             <a:avLst>
@@ -10185,8 +10185,8 @@
         </p:nvSpPr>
         <p:spPr>
           <a:xfrm rot="2332200">
-            <a:off x="6009120" y="-319680"/>
-            <a:ext cx="4854600" cy="7725600"/>
+            <a:off x="6009120" y="-319320"/>
+            <a:ext cx="4854240" cy="7725240"/>
           </a:xfrm>
           <a:prstGeom prst="roundRect">
             <a:avLst>
@@ -10224,9 +10224,9 @@
         <p:grpSpPr>
           <a:xfrm>
             <a:off x="4571640" y="828000"/>
-            <a:ext cx="4467240" cy="3563280"/>
+            <a:ext cx="4466880" cy="3562920"/>
             <a:chOff x="4571640" y="828000"/>
-            <a:chExt cx="4467240" cy="3563280"/>
+            <a:chExt cx="4466880" cy="3562920"/>
           </a:xfrm>
         </p:grpSpPr>
         <p:pic>
@@ -10242,7 +10242,7 @@
           <p:spPr>
             <a:xfrm>
               <a:off x="4571640" y="828000"/>
-              <a:ext cx="4467240" cy="3563280"/>
+              <a:ext cx="4466880" cy="3562920"/>
             </a:xfrm>
             <a:prstGeom prst="rect">
               <a:avLst/>
@@ -10260,8 +10260,8 @@
           </p:nvSpPr>
           <p:spPr>
             <a:xfrm rot="16200000">
-              <a:off x="5962680" y="1159920"/>
-              <a:ext cx="1736280" cy="2770200"/>
+              <a:off x="5962680" y="1160280"/>
+              <a:ext cx="1735920" cy="2769840"/>
             </a:xfrm>
             <a:prstGeom prst="roundRect">
               <a:avLst>
@@ -10328,7 +10328,7 @@
         <p:spPr>
           <a:xfrm>
             <a:off x="5446080" y="1672200"/>
-            <a:ext cx="2769840" cy="1736280"/>
+            <a:ext cx="2769480" cy="1735920"/>
           </a:xfrm>
           <a:prstGeom prst="rect">
             <a:avLst/>
@@ -10380,7 +10380,7 @@
         <p:spPr>
           <a:xfrm>
             <a:off x="586440" y="1246680"/>
-            <a:ext cx="4003200" cy="3598920"/>
+            <a:ext cx="4002840" cy="3598560"/>
           </a:xfrm>
           <a:prstGeom prst="rect">
             <a:avLst/>
@@ -10432,7 +10432,7 @@
         <p:spPr>
           <a:xfrm>
             <a:off x="586440" y="453960"/>
-            <a:ext cx="4763160" cy="854280"/>
+            <a:ext cx="4762800" cy="853920"/>
           </a:xfrm>
           <a:prstGeom prst="rect">
             <a:avLst/>
@@ -10520,8 +10520,8 @@
         </p:nvSpPr>
         <p:spPr>
           <a:xfrm rot="2745600">
-            <a:off x="8349840" y="-667800"/>
-            <a:ext cx="1497240" cy="1497240"/>
+            <a:off x="8350200" y="-667800"/>
+            <a:ext cx="1496880" cy="1496880"/>
           </a:xfrm>
           <a:prstGeom prst="roundRect">
             <a:avLst>
@@ -10558,8 +10558,8 @@
         </p:nvSpPr>
         <p:spPr>
           <a:xfrm rot="2745600">
-            <a:off x="7634160" y="-322200"/>
-            <a:ext cx="806040" cy="806400"/>
+            <a:off x="7634160" y="-321840"/>
+            <a:ext cx="805680" cy="806040"/>
           </a:xfrm>
           <a:prstGeom prst="roundRect">
             <a:avLst>
@@ -10598,7 +10598,7 @@
         <p:spPr>
           <a:xfrm>
             <a:off x="586440" y="899640"/>
-            <a:ext cx="7930800" cy="1536120"/>
+            <a:ext cx="7930440" cy="1535760"/>
           </a:xfrm>
           <a:prstGeom prst="rect">
             <a:avLst/>
@@ -10650,7 +10650,7 @@
         <p:spPr>
           <a:xfrm>
             <a:off x="608040" y="2545560"/>
-            <a:ext cx="3711240" cy="2254680"/>
+            <a:ext cx="3710880" cy="2254320"/>
           </a:xfrm>
           <a:prstGeom prst="rect">
             <a:avLst/>
@@ -10702,7 +10702,7 @@
         <p:spPr>
           <a:xfrm>
             <a:off x="4806360" y="2545560"/>
-            <a:ext cx="3711240" cy="2254680"/>
+            <a:ext cx="3710880" cy="2254320"/>
           </a:xfrm>
           <a:prstGeom prst="rect">
             <a:avLst/>
@@ -10754,7 +10754,7 @@
         <p:spPr>
           <a:xfrm>
             <a:off x="583200" y="450720"/>
-            <a:ext cx="7197120" cy="511200"/>
+            <a:ext cx="7196760" cy="510840"/>
           </a:xfrm>
           <a:prstGeom prst="rect">
             <a:avLst/>
@@ -10836,7 +10836,7 @@
         <p:spPr>
           <a:xfrm>
             <a:off x="586440" y="1246680"/>
-            <a:ext cx="4003200" cy="3598920"/>
+            <a:ext cx="4002840" cy="3598560"/>
           </a:xfrm>
           <a:prstGeom prst="rect">
             <a:avLst/>
@@ -10888,7 +10888,7 @@
         <p:spPr>
           <a:xfrm>
             <a:off x="559800" y="446040"/>
-            <a:ext cx="4282560" cy="682560"/>
+            <a:ext cx="4282200" cy="682200"/>
           </a:xfrm>
           <a:prstGeom prst="rect">
             <a:avLst/>
@@ -10940,7 +10940,7 @@
         <p:spPr>
           <a:xfrm>
             <a:off x="5097600" y="360"/>
-            <a:ext cx="4378680" cy="5142960"/>
+            <a:ext cx="4378320" cy="5142600"/>
           </a:xfrm>
           <a:prstGeom prst="roundRect">
             <a:avLst>
@@ -11005,8 +11005,8 @@
         </p:nvSpPr>
         <p:spPr>
           <a:xfrm rot="2744400">
-            <a:off x="-279720" y="-25560"/>
-            <a:ext cx="703440" cy="703080"/>
+            <a:off x="-279360" y="-25560"/>
+            <a:ext cx="703080" cy="702720"/>
           </a:xfrm>
           <a:prstGeom prst="roundRect">
             <a:avLst>
@@ -11043,8 +11043,8 @@
         </p:nvSpPr>
         <p:spPr>
           <a:xfrm rot="2625600">
-            <a:off x="4861080" y="4146120"/>
-            <a:ext cx="467280" cy="467280"/>
+            <a:off x="4861080" y="4145760"/>
+            <a:ext cx="466920" cy="466920"/>
           </a:xfrm>
           <a:prstGeom prst="roundRect">
             <a:avLst>
@@ -11118,8 +11118,8 @@
         </p:nvSpPr>
         <p:spPr>
           <a:xfrm rot="2744400">
-            <a:off x="-348840" y="4539240"/>
-            <a:ext cx="703440" cy="703080"/>
+            <a:off x="-348480" y="4538880"/>
+            <a:ext cx="703080" cy="702720"/>
           </a:xfrm>
           <a:prstGeom prst="roundRect">
             <a:avLst>
@@ -11156,8 +11156,8 @@
         </p:nvSpPr>
         <p:spPr>
           <a:xfrm rot="19228200">
-            <a:off x="5845680" y="-2265480"/>
-            <a:ext cx="4854240" cy="7725240"/>
+            <a:off x="5845320" y="-2265120"/>
+            <a:ext cx="4853880" cy="7724880"/>
           </a:xfrm>
           <a:prstGeom prst="roundRect">
             <a:avLst>
@@ -11195,9 +11195,9 @@
         <p:grpSpPr>
           <a:xfrm>
             <a:off x="4571640" y="828000"/>
-            <a:ext cx="4467240" cy="3563280"/>
+            <a:ext cx="4466880" cy="3562920"/>
             <a:chOff x="4571640" y="828000"/>
-            <a:chExt cx="4467240" cy="3563280"/>
+            <a:chExt cx="4466880" cy="3562920"/>
           </a:xfrm>
         </p:grpSpPr>
         <p:pic>
@@ -11213,7 +11213,7 @@
           <p:spPr>
             <a:xfrm>
               <a:off x="4571640" y="828000"/>
-              <a:ext cx="4467240" cy="3563280"/>
+              <a:ext cx="4466880" cy="3562920"/>
             </a:xfrm>
             <a:prstGeom prst="rect">
               <a:avLst/>
@@ -11231,8 +11231,8 @@
           </p:nvSpPr>
           <p:spPr>
             <a:xfrm rot="16200000">
-              <a:off x="5962680" y="1159920"/>
-              <a:ext cx="1736280" cy="2770200"/>
+              <a:off x="5962680" y="1160280"/>
+              <a:ext cx="1735920" cy="2769840"/>
             </a:xfrm>
             <a:prstGeom prst="roundRect">
               <a:avLst>
@@ -11299,7 +11299,7 @@
         <p:spPr>
           <a:xfrm>
             <a:off x="586440" y="1246680"/>
-            <a:ext cx="4003200" cy="3598920"/>
+            <a:ext cx="4002840" cy="3598560"/>
           </a:xfrm>
           <a:prstGeom prst="rect">
             <a:avLst/>
@@ -11351,7 +11351,7 @@
         <p:spPr>
           <a:xfrm>
             <a:off x="5446080" y="1672200"/>
-            <a:ext cx="2779200" cy="1736280"/>
+            <a:ext cx="2778840" cy="1735920"/>
           </a:xfrm>
           <a:prstGeom prst="rect">
             <a:avLst/>
@@ -11403,7 +11403,7 @@
         <p:spPr>
           <a:xfrm>
             <a:off x="586440" y="453960"/>
-            <a:ext cx="3695760" cy="854280"/>
+            <a:ext cx="3695400" cy="853920"/>
           </a:xfrm>
           <a:prstGeom prst="rect">
             <a:avLst/>
@@ -11492,7 +11492,7 @@
         <p:spPr>
           <a:xfrm>
             <a:off x="4222080" y="1246680"/>
-            <a:ext cx="4114080" cy="3598920"/>
+            <a:ext cx="4113720" cy="3598560"/>
           </a:xfrm>
           <a:prstGeom prst="rect">
             <a:avLst/>
@@ -11543,8 +11543,8 @@
         </p:nvSpPr>
         <p:spPr>
           <a:xfrm rot="16200000">
-            <a:off x="-2181600" y="1734480"/>
-            <a:ext cx="5142960" cy="1683000"/>
+            <a:off x="-2181600" y="1734840"/>
+            <a:ext cx="5142600" cy="1682640"/>
           </a:xfrm>
           <a:prstGeom prst="roundRect">
             <a:avLst>
@@ -11581,8 +11581,8 @@
         </p:nvSpPr>
         <p:spPr>
           <a:xfrm rot="2745000">
-            <a:off x="8575200" y="102960"/>
-            <a:ext cx="1131480" cy="1131120"/>
+            <a:off x="8575200" y="102600"/>
+            <a:ext cx="1131120" cy="1130760"/>
           </a:xfrm>
           <a:prstGeom prst="roundRect">
             <a:avLst>
@@ -11619,8 +11619,8 @@
         </p:nvSpPr>
         <p:spPr>
           <a:xfrm rot="16200000">
-            <a:off x="614880" y="919800"/>
-            <a:ext cx="3231000" cy="3312720"/>
+            <a:off x="614880" y="920160"/>
+            <a:ext cx="3230640" cy="3312360"/>
           </a:xfrm>
           <a:prstGeom prst="roundRect">
             <a:avLst>
@@ -11686,7 +11686,7 @@
         <p:spPr>
           <a:xfrm>
             <a:off x="4214160" y="456120"/>
-            <a:ext cx="4110840" cy="854280"/>
+            <a:ext cx="4110480" cy="853920"/>
           </a:xfrm>
           <a:prstGeom prst="rect">
             <a:avLst/>
@@ -11774,8 +11774,8 @@
         </p:nvSpPr>
         <p:spPr>
           <a:xfrm rot="2744400">
-            <a:off x="-279720" y="-25560"/>
-            <a:ext cx="703440" cy="703080"/>
+            <a:off x="-279360" y="-25560"/>
+            <a:ext cx="703080" cy="702720"/>
           </a:xfrm>
           <a:prstGeom prst="roundRect">
             <a:avLst>
@@ -11812,8 +11812,8 @@
         </p:nvSpPr>
         <p:spPr>
           <a:xfrm rot="2332200">
-            <a:off x="6009120" y="-319680"/>
-            <a:ext cx="4854600" cy="7725600"/>
+            <a:off x="6009120" y="-319320"/>
+            <a:ext cx="4854240" cy="7725240"/>
           </a:xfrm>
           <a:prstGeom prst="roundRect">
             <a:avLst>
@@ -11851,9 +11851,9 @@
         <p:grpSpPr>
           <a:xfrm>
             <a:off x="4571640" y="828000"/>
-            <a:ext cx="4467240" cy="3563280"/>
+            <a:ext cx="4466880" cy="3562920"/>
             <a:chOff x="4571640" y="828000"/>
-            <a:chExt cx="4467240" cy="3563280"/>
+            <a:chExt cx="4466880" cy="3562920"/>
           </a:xfrm>
         </p:grpSpPr>
         <p:pic>
@@ -11869,7 +11869,7 @@
           <p:spPr>
             <a:xfrm>
               <a:off x="4571640" y="828000"/>
-              <a:ext cx="4467240" cy="3563280"/>
+              <a:ext cx="4466880" cy="3562920"/>
             </a:xfrm>
             <a:prstGeom prst="rect">
               <a:avLst/>
@@ -11887,8 +11887,8 @@
           </p:nvSpPr>
           <p:spPr>
             <a:xfrm rot="16200000">
-              <a:off x="5962680" y="1159920"/>
-              <a:ext cx="1736280" cy="2770200"/>
+              <a:off x="5962680" y="1160280"/>
+              <a:ext cx="1735920" cy="2769840"/>
             </a:xfrm>
             <a:prstGeom prst="roundRect">
               <a:avLst>
@@ -11955,7 +11955,7 @@
         <p:spPr>
           <a:xfrm>
             <a:off x="5446080" y="1672200"/>
-            <a:ext cx="2769840" cy="1736280"/>
+            <a:ext cx="2769480" cy="1735920"/>
           </a:xfrm>
           <a:prstGeom prst="rect">
             <a:avLst/>
@@ -12007,7 +12007,7 @@
         <p:spPr>
           <a:xfrm>
             <a:off x="586440" y="1246680"/>
-            <a:ext cx="4003200" cy="3598920"/>
+            <a:ext cx="4002840" cy="3598560"/>
           </a:xfrm>
           <a:prstGeom prst="rect">
             <a:avLst/>
@@ -12059,7 +12059,7 @@
         <p:spPr>
           <a:xfrm>
             <a:off x="586440" y="453960"/>
-            <a:ext cx="4763160" cy="854280"/>
+            <a:ext cx="4762800" cy="853920"/>
           </a:xfrm>
           <a:prstGeom prst="rect">
             <a:avLst/>
@@ -12147,8 +12147,8 @@
         </p:nvSpPr>
         <p:spPr>
           <a:xfrm rot="2745600">
-            <a:off x="8349840" y="-667800"/>
-            <a:ext cx="1497240" cy="1497240"/>
+            <a:off x="8350200" y="-667800"/>
+            <a:ext cx="1496880" cy="1496880"/>
           </a:xfrm>
           <a:prstGeom prst="roundRect">
             <a:avLst>
@@ -12185,8 +12185,8 @@
         </p:nvSpPr>
         <p:spPr>
           <a:xfrm rot="2745600">
-            <a:off x="7634160" y="-322200"/>
-            <a:ext cx="806040" cy="806400"/>
+            <a:off x="7634160" y="-321840"/>
+            <a:ext cx="805680" cy="806040"/>
           </a:xfrm>
           <a:prstGeom prst="roundRect">
             <a:avLst>
@@ -12225,7 +12225,7 @@
         <p:spPr>
           <a:xfrm>
             <a:off x="586440" y="899640"/>
-            <a:ext cx="7930800" cy="1536120"/>
+            <a:ext cx="7930440" cy="1535760"/>
           </a:xfrm>
           <a:prstGeom prst="rect">
             <a:avLst/>
@@ -12277,7 +12277,7 @@
         <p:spPr>
           <a:xfrm>
             <a:off x="608040" y="2545560"/>
-            <a:ext cx="3711240" cy="2254680"/>
+            <a:ext cx="3710880" cy="2254320"/>
           </a:xfrm>
           <a:prstGeom prst="rect">
             <a:avLst/>
@@ -12329,7 +12329,7 @@
         <p:spPr>
           <a:xfrm>
             <a:off x="4806360" y="2545560"/>
-            <a:ext cx="3711240" cy="2254680"/>
+            <a:ext cx="3710880" cy="2254320"/>
           </a:xfrm>
           <a:prstGeom prst="rect">
             <a:avLst/>
@@ -12381,7 +12381,7 @@
         <p:spPr>
           <a:xfrm>
             <a:off x="583200" y="450720"/>
-            <a:ext cx="7197120" cy="511200"/>
+            <a:ext cx="7196760" cy="510840"/>
           </a:xfrm>
           <a:prstGeom prst="rect">
             <a:avLst/>
@@ -12463,7 +12463,7 @@
         <p:spPr>
           <a:xfrm>
             <a:off x="586440" y="1246680"/>
-            <a:ext cx="4003200" cy="3598920"/>
+            <a:ext cx="4002840" cy="3598560"/>
           </a:xfrm>
           <a:prstGeom prst="rect">
             <a:avLst/>
@@ -12515,7 +12515,7 @@
         <p:spPr>
           <a:xfrm>
             <a:off x="559800" y="446040"/>
-            <a:ext cx="4282560" cy="682560"/>
+            <a:ext cx="4282200" cy="682200"/>
           </a:xfrm>
           <a:prstGeom prst="rect">
             <a:avLst/>
@@ -12567,7 +12567,7 @@
         <p:spPr>
           <a:xfrm>
             <a:off x="5097600" y="360"/>
-            <a:ext cx="4378680" cy="5142960"/>
+            <a:ext cx="4378320" cy="5142600"/>
           </a:xfrm>
           <a:prstGeom prst="roundRect">
             <a:avLst>
@@ -12632,8 +12632,8 @@
         </p:nvSpPr>
         <p:spPr>
           <a:xfrm rot="2744400">
-            <a:off x="-279720" y="-25560"/>
-            <a:ext cx="703440" cy="703080"/>
+            <a:off x="-279360" y="-25560"/>
+            <a:ext cx="703080" cy="702720"/>
           </a:xfrm>
           <a:prstGeom prst="roundRect">
             <a:avLst>
@@ -12670,8 +12670,8 @@
         </p:nvSpPr>
         <p:spPr>
           <a:xfrm rot="2625600">
-            <a:off x="4861080" y="4146120"/>
-            <a:ext cx="467280" cy="467280"/>
+            <a:off x="4861080" y="4145760"/>
+            <a:ext cx="466920" cy="466920"/>
           </a:xfrm>
           <a:prstGeom prst="roundRect">
             <a:avLst>
@@ -12745,8 +12745,8 @@
         </p:nvSpPr>
         <p:spPr>
           <a:xfrm rot="2744400">
-            <a:off x="-348840" y="4539240"/>
-            <a:ext cx="703440" cy="703080"/>
+            <a:off x="-348480" y="4538880"/>
+            <a:ext cx="703080" cy="702720"/>
           </a:xfrm>
           <a:prstGeom prst="roundRect">
             <a:avLst>
@@ -12783,8 +12783,8 @@
         </p:nvSpPr>
         <p:spPr>
           <a:xfrm rot="19228200">
-            <a:off x="5845680" y="-2265480"/>
-            <a:ext cx="4854240" cy="7725240"/>
+            <a:off x="5845320" y="-2265120"/>
+            <a:ext cx="4853880" cy="7724880"/>
           </a:xfrm>
           <a:prstGeom prst="roundRect">
             <a:avLst>
@@ -12822,9 +12822,9 @@
         <p:grpSpPr>
           <a:xfrm>
             <a:off x="4571640" y="828000"/>
-            <a:ext cx="4467240" cy="3563280"/>
+            <a:ext cx="4466880" cy="3562920"/>
             <a:chOff x="4571640" y="828000"/>
-            <a:chExt cx="4467240" cy="3563280"/>
+            <a:chExt cx="4466880" cy="3562920"/>
           </a:xfrm>
         </p:grpSpPr>
         <p:pic>
@@ -12840,7 +12840,7 @@
           <p:spPr>
             <a:xfrm>
               <a:off x="4571640" y="828000"/>
-              <a:ext cx="4467240" cy="3563280"/>
+              <a:ext cx="4466880" cy="3562920"/>
             </a:xfrm>
             <a:prstGeom prst="rect">
               <a:avLst/>
@@ -12858,8 +12858,8 @@
           </p:nvSpPr>
           <p:spPr>
             <a:xfrm rot="16200000">
-              <a:off x="5962680" y="1159920"/>
-              <a:ext cx="1736280" cy="2770200"/>
+              <a:off x="5962680" y="1160280"/>
+              <a:ext cx="1735920" cy="2769840"/>
             </a:xfrm>
             <a:prstGeom prst="roundRect">
               <a:avLst>
@@ -12926,7 +12926,7 @@
         <p:spPr>
           <a:xfrm>
             <a:off x="586440" y="1246680"/>
-            <a:ext cx="4003200" cy="3598920"/>
+            <a:ext cx="4002840" cy="3598560"/>
           </a:xfrm>
           <a:prstGeom prst="rect">
             <a:avLst/>
@@ -12978,7 +12978,7 @@
         <p:spPr>
           <a:xfrm>
             <a:off x="5446080" y="1672200"/>
-            <a:ext cx="2779200" cy="1736280"/>
+            <a:ext cx="2778840" cy="1735920"/>
           </a:xfrm>
           <a:prstGeom prst="rect">
             <a:avLst/>
@@ -13030,7 +13030,7 @@
         <p:spPr>
           <a:xfrm>
             <a:off x="586440" y="453960"/>
-            <a:ext cx="3695760" cy="854280"/>
+            <a:ext cx="3695400" cy="853920"/>
           </a:xfrm>
           <a:prstGeom prst="rect">
             <a:avLst/>
@@ -13119,7 +13119,7 @@
         <p:spPr>
           <a:xfrm>
             <a:off x="4222080" y="1246680"/>
-            <a:ext cx="4114080" cy="3598920"/>
+            <a:ext cx="4113720" cy="3598560"/>
           </a:xfrm>
           <a:prstGeom prst="rect">
             <a:avLst/>
@@ -13170,8 +13170,8 @@
         </p:nvSpPr>
         <p:spPr>
           <a:xfrm rot="16200000">
-            <a:off x="-2181600" y="1734480"/>
-            <a:ext cx="5142960" cy="1683000"/>
+            <a:off x="-2181600" y="1734840"/>
+            <a:ext cx="5142600" cy="1682640"/>
           </a:xfrm>
           <a:prstGeom prst="roundRect">
             <a:avLst>
@@ -13208,8 +13208,8 @@
         </p:nvSpPr>
         <p:spPr>
           <a:xfrm rot="2745000">
-            <a:off x="8575200" y="102960"/>
-            <a:ext cx="1131480" cy="1131120"/>
+            <a:off x="8575200" y="102600"/>
+            <a:ext cx="1131120" cy="1130760"/>
           </a:xfrm>
           <a:prstGeom prst="roundRect">
             <a:avLst>
@@ -13246,8 +13246,8 @@
         </p:nvSpPr>
         <p:spPr>
           <a:xfrm rot="16200000">
-            <a:off x="614880" y="919800"/>
-            <a:ext cx="3231000" cy="3312720"/>
+            <a:off x="614880" y="920160"/>
+            <a:ext cx="3230640" cy="3312360"/>
           </a:xfrm>
           <a:prstGeom prst="roundRect">
             <a:avLst>
@@ -13313,7 +13313,7 @@
         <p:spPr>
           <a:xfrm>
             <a:off x="4214160" y="456120"/>
-            <a:ext cx="4110840" cy="854280"/>
+            <a:ext cx="4110480" cy="853920"/>
           </a:xfrm>
           <a:prstGeom prst="rect">
             <a:avLst/>
@@ -13395,7 +13395,7 @@
         <p:spPr>
           <a:xfrm>
             <a:off x="586440" y="1246680"/>
-            <a:ext cx="4003200" cy="3598920"/>
+            <a:ext cx="4002840" cy="3598560"/>
           </a:xfrm>
           <a:prstGeom prst="rect">
             <a:avLst/>
@@ -13447,7 +13447,7 @@
         <p:spPr>
           <a:xfrm>
             <a:off x="559800" y="446040"/>
-            <a:ext cx="4282560" cy="682560"/>
+            <a:ext cx="4282200" cy="682200"/>
           </a:xfrm>
           <a:prstGeom prst="rect">
             <a:avLst/>
@@ -13499,7 +13499,7 @@
         <p:spPr>
           <a:xfrm>
             <a:off x="5097600" y="360"/>
-            <a:ext cx="4378680" cy="5142960"/>
+            <a:ext cx="4378320" cy="5142600"/>
           </a:xfrm>
           <a:prstGeom prst="roundRect">
             <a:avLst>
@@ -13564,8 +13564,8 @@
         </p:nvSpPr>
         <p:spPr>
           <a:xfrm rot="2744400">
-            <a:off x="-279720" y="-25560"/>
-            <a:ext cx="703440" cy="703080"/>
+            <a:off x="-279360" y="-25560"/>
+            <a:ext cx="703080" cy="702720"/>
           </a:xfrm>
           <a:prstGeom prst="roundRect">
             <a:avLst>
@@ -13602,8 +13602,8 @@
         </p:nvSpPr>
         <p:spPr>
           <a:xfrm rot="2625600">
-            <a:off x="4861080" y="4146120"/>
-            <a:ext cx="467280" cy="467280"/>
+            <a:off x="4861080" y="4145760"/>
+            <a:ext cx="466920" cy="466920"/>
           </a:xfrm>
           <a:prstGeom prst="roundRect">
             <a:avLst>
@@ -13677,8 +13677,8 @@
         </p:nvSpPr>
         <p:spPr>
           <a:xfrm rot="2744400">
-            <a:off x="-279720" y="-25560"/>
-            <a:ext cx="703440" cy="703080"/>
+            <a:off x="-279360" y="-25560"/>
+            <a:ext cx="703080" cy="702720"/>
           </a:xfrm>
           <a:prstGeom prst="roundRect">
             <a:avLst>
@@ -13715,8 +13715,8 @@
         </p:nvSpPr>
         <p:spPr>
           <a:xfrm rot="2332200">
-            <a:off x="6009120" y="-319680"/>
-            <a:ext cx="4854600" cy="7725600"/>
+            <a:off x="6009120" y="-319320"/>
+            <a:ext cx="4854240" cy="7725240"/>
           </a:xfrm>
           <a:prstGeom prst="roundRect">
             <a:avLst>
@@ -13754,9 +13754,9 @@
         <p:grpSpPr>
           <a:xfrm>
             <a:off x="4571640" y="828000"/>
-            <a:ext cx="4467240" cy="3563280"/>
+            <a:ext cx="4466880" cy="3562920"/>
             <a:chOff x="4571640" y="828000"/>
-            <a:chExt cx="4467240" cy="3563280"/>
+            <a:chExt cx="4466880" cy="3562920"/>
           </a:xfrm>
         </p:grpSpPr>
         <p:pic>
@@ -13772,7 +13772,7 @@
           <p:spPr>
             <a:xfrm>
               <a:off x="4571640" y="828000"/>
-              <a:ext cx="4467240" cy="3563280"/>
+              <a:ext cx="4466880" cy="3562920"/>
             </a:xfrm>
             <a:prstGeom prst="rect">
               <a:avLst/>
@@ -13790,8 +13790,8 @@
           </p:nvSpPr>
           <p:spPr>
             <a:xfrm rot="16200000">
-              <a:off x="5962680" y="1159920"/>
-              <a:ext cx="1736280" cy="2770200"/>
+              <a:off x="5962680" y="1160280"/>
+              <a:ext cx="1735920" cy="2769840"/>
             </a:xfrm>
             <a:prstGeom prst="roundRect">
               <a:avLst>
@@ -13858,7 +13858,7 @@
         <p:spPr>
           <a:xfrm>
             <a:off x="5446080" y="1672200"/>
-            <a:ext cx="2769840" cy="1736280"/>
+            <a:ext cx="2769480" cy="1735920"/>
           </a:xfrm>
           <a:prstGeom prst="rect">
             <a:avLst/>
@@ -13910,7 +13910,7 @@
         <p:spPr>
           <a:xfrm>
             <a:off x="586440" y="1246680"/>
-            <a:ext cx="4003200" cy="3598920"/>
+            <a:ext cx="4002840" cy="3598560"/>
           </a:xfrm>
           <a:prstGeom prst="rect">
             <a:avLst/>
@@ -13962,7 +13962,7 @@
         <p:spPr>
           <a:xfrm>
             <a:off x="586440" y="453960"/>
-            <a:ext cx="4763160" cy="854280"/>
+            <a:ext cx="4762800" cy="853920"/>
           </a:xfrm>
           <a:prstGeom prst="rect">
             <a:avLst/>
@@ -14050,8 +14050,8 @@
         </p:nvSpPr>
         <p:spPr>
           <a:xfrm rot="2745600">
-            <a:off x="8349840" y="-667800"/>
-            <a:ext cx="1497240" cy="1497240"/>
+            <a:off x="8350200" y="-667800"/>
+            <a:ext cx="1496880" cy="1496880"/>
           </a:xfrm>
           <a:prstGeom prst="roundRect">
             <a:avLst>
@@ -14088,8 +14088,8 @@
         </p:nvSpPr>
         <p:spPr>
           <a:xfrm rot="2745600">
-            <a:off x="7634160" y="-322200"/>
-            <a:ext cx="806040" cy="806400"/>
+            <a:off x="7634160" y="-321840"/>
+            <a:ext cx="805680" cy="806040"/>
           </a:xfrm>
           <a:prstGeom prst="roundRect">
             <a:avLst>
@@ -14128,7 +14128,7 @@
         <p:spPr>
           <a:xfrm>
             <a:off x="586440" y="899640"/>
-            <a:ext cx="7930800" cy="1536120"/>
+            <a:ext cx="7930440" cy="1535760"/>
           </a:xfrm>
           <a:prstGeom prst="rect">
             <a:avLst/>
@@ -14180,7 +14180,7 @@
         <p:spPr>
           <a:xfrm>
             <a:off x="608040" y="2545560"/>
-            <a:ext cx="3711240" cy="2254680"/>
+            <a:ext cx="3710880" cy="2254320"/>
           </a:xfrm>
           <a:prstGeom prst="rect">
             <a:avLst/>
@@ -14232,7 +14232,7 @@
         <p:spPr>
           <a:xfrm>
             <a:off x="4806360" y="2545560"/>
-            <a:ext cx="3711240" cy="2254680"/>
+            <a:ext cx="3710880" cy="2254320"/>
           </a:xfrm>
           <a:prstGeom prst="rect">
             <a:avLst/>
@@ -14284,7 +14284,7 @@
         <p:spPr>
           <a:xfrm>
             <a:off x="583200" y="450720"/>
-            <a:ext cx="7197120" cy="511200"/>
+            <a:ext cx="7196760" cy="510840"/>
           </a:xfrm>
           <a:prstGeom prst="rect">
             <a:avLst/>
@@ -14366,7 +14366,7 @@
         <p:spPr>
           <a:xfrm>
             <a:off x="586440" y="1246680"/>
-            <a:ext cx="4003200" cy="3598920"/>
+            <a:ext cx="4002840" cy="3598560"/>
           </a:xfrm>
           <a:prstGeom prst="rect">
             <a:avLst/>
@@ -14418,7 +14418,7 @@
         <p:spPr>
           <a:xfrm>
             <a:off x="559800" y="446040"/>
-            <a:ext cx="4282560" cy="682560"/>
+            <a:ext cx="4282200" cy="682200"/>
           </a:xfrm>
           <a:prstGeom prst="rect">
             <a:avLst/>
@@ -14470,7 +14470,7 @@
         <p:spPr>
           <a:xfrm>
             <a:off x="5097600" y="360"/>
-            <a:ext cx="4378680" cy="5142960"/>
+            <a:ext cx="4378320" cy="5142600"/>
           </a:xfrm>
           <a:prstGeom prst="roundRect">
             <a:avLst>
@@ -14535,8 +14535,8 @@
         </p:nvSpPr>
         <p:spPr>
           <a:xfrm rot="2744400">
-            <a:off x="-279720" y="-25560"/>
-            <a:ext cx="703440" cy="703080"/>
+            <a:off x="-279360" y="-25560"/>
+            <a:ext cx="703080" cy="702720"/>
           </a:xfrm>
           <a:prstGeom prst="roundRect">
             <a:avLst>
@@ -14573,8 +14573,8 @@
         </p:nvSpPr>
         <p:spPr>
           <a:xfrm rot="2625600">
-            <a:off x="4861080" y="4146120"/>
-            <a:ext cx="467280" cy="467280"/>
+            <a:off x="4861080" y="4145760"/>
+            <a:ext cx="466920" cy="466920"/>
           </a:xfrm>
           <a:prstGeom prst="roundRect">
             <a:avLst>
@@ -14648,8 +14648,8 @@
         </p:nvSpPr>
         <p:spPr>
           <a:xfrm rot="2744400">
-            <a:off x="-348840" y="4539240"/>
-            <a:ext cx="703440" cy="703080"/>
+            <a:off x="-348480" y="4538880"/>
+            <a:ext cx="703080" cy="702720"/>
           </a:xfrm>
           <a:prstGeom prst="roundRect">
             <a:avLst>
@@ -14686,8 +14686,8 @@
         </p:nvSpPr>
         <p:spPr>
           <a:xfrm rot="19228200">
-            <a:off x="5845680" y="-2265480"/>
-            <a:ext cx="4854240" cy="7725240"/>
+            <a:off x="5845320" y="-2265120"/>
+            <a:ext cx="4853880" cy="7724880"/>
           </a:xfrm>
           <a:prstGeom prst="roundRect">
             <a:avLst>
@@ -14725,9 +14725,9 @@
         <p:grpSpPr>
           <a:xfrm>
             <a:off x="4571640" y="828000"/>
-            <a:ext cx="4467240" cy="3563280"/>
+            <a:ext cx="4466880" cy="3562920"/>
             <a:chOff x="4571640" y="828000"/>
-            <a:chExt cx="4467240" cy="3563280"/>
+            <a:chExt cx="4466880" cy="3562920"/>
           </a:xfrm>
         </p:grpSpPr>
         <p:pic>
@@ -14743,7 +14743,7 @@
           <p:spPr>
             <a:xfrm>
               <a:off x="4571640" y="828000"/>
-              <a:ext cx="4467240" cy="3563280"/>
+              <a:ext cx="4466880" cy="3562920"/>
             </a:xfrm>
             <a:prstGeom prst="rect">
               <a:avLst/>
@@ -14761,8 +14761,8 @@
           </p:nvSpPr>
           <p:spPr>
             <a:xfrm rot="16200000">
-              <a:off x="5962680" y="1159920"/>
-              <a:ext cx="1736280" cy="2770200"/>
+              <a:off x="5962680" y="1160280"/>
+              <a:ext cx="1735920" cy="2769840"/>
             </a:xfrm>
             <a:prstGeom prst="roundRect">
               <a:avLst>
@@ -14829,7 +14829,7 @@
         <p:spPr>
           <a:xfrm>
             <a:off x="586440" y="1246680"/>
-            <a:ext cx="4003200" cy="3598920"/>
+            <a:ext cx="4002840" cy="3598560"/>
           </a:xfrm>
           <a:prstGeom prst="rect">
             <a:avLst/>
@@ -14881,7 +14881,7 @@
         <p:spPr>
           <a:xfrm>
             <a:off x="5446080" y="1672200"/>
-            <a:ext cx="2779200" cy="1736280"/>
+            <a:ext cx="2778840" cy="1735920"/>
           </a:xfrm>
           <a:prstGeom prst="rect">
             <a:avLst/>
@@ -14933,7 +14933,7 @@
         <p:spPr>
           <a:xfrm>
             <a:off x="586440" y="453960"/>
-            <a:ext cx="3695760" cy="854280"/>
+            <a:ext cx="3695400" cy="853920"/>
           </a:xfrm>
           <a:prstGeom prst="rect">
             <a:avLst/>
@@ -15022,7 +15022,7 @@
         <p:spPr>
           <a:xfrm>
             <a:off x="4222080" y="1246680"/>
-            <a:ext cx="4114080" cy="3598920"/>
+            <a:ext cx="4113720" cy="3598560"/>
           </a:xfrm>
           <a:prstGeom prst="rect">
             <a:avLst/>
@@ -15073,8 +15073,8 @@
         </p:nvSpPr>
         <p:spPr>
           <a:xfrm rot="16200000">
-            <a:off x="-2181600" y="1734480"/>
-            <a:ext cx="5142960" cy="1683000"/>
+            <a:off x="-2181600" y="1734840"/>
+            <a:ext cx="5142600" cy="1682640"/>
           </a:xfrm>
           <a:prstGeom prst="roundRect">
             <a:avLst>
@@ -15111,8 +15111,8 @@
         </p:nvSpPr>
         <p:spPr>
           <a:xfrm rot="2745000">
-            <a:off x="8575200" y="102960"/>
-            <a:ext cx="1131480" cy="1131120"/>
+            <a:off x="8575200" y="102600"/>
+            <a:ext cx="1131120" cy="1130760"/>
           </a:xfrm>
           <a:prstGeom prst="roundRect">
             <a:avLst>
@@ -15149,8 +15149,8 @@
         </p:nvSpPr>
         <p:spPr>
           <a:xfrm rot="16200000">
-            <a:off x="614880" y="919800"/>
-            <a:ext cx="3231000" cy="3312720"/>
+            <a:off x="614880" y="920160"/>
+            <a:ext cx="3230640" cy="3312360"/>
           </a:xfrm>
           <a:prstGeom prst="roundRect">
             <a:avLst>
@@ -15216,7 +15216,7 @@
         <p:spPr>
           <a:xfrm>
             <a:off x="4214160" y="456120"/>
-            <a:ext cx="4110840" cy="854280"/>
+            <a:ext cx="4110480" cy="853920"/>
           </a:xfrm>
           <a:prstGeom prst="rect">
             <a:avLst/>
@@ -15304,8 +15304,8 @@
         </p:nvSpPr>
         <p:spPr>
           <a:xfrm rot="2744400">
-            <a:off x="-279720" y="-25560"/>
-            <a:ext cx="703440" cy="703080"/>
+            <a:off x="-279360" y="-25560"/>
+            <a:ext cx="703080" cy="702720"/>
           </a:xfrm>
           <a:prstGeom prst="roundRect">
             <a:avLst>
@@ -15342,8 +15342,8 @@
         </p:nvSpPr>
         <p:spPr>
           <a:xfrm rot="2332200">
-            <a:off x="6009120" y="-319680"/>
-            <a:ext cx="4854600" cy="7725600"/>
+            <a:off x="6009120" y="-319320"/>
+            <a:ext cx="4854240" cy="7725240"/>
           </a:xfrm>
           <a:prstGeom prst="roundRect">
             <a:avLst>
@@ -15381,9 +15381,9 @@
         <p:grpSpPr>
           <a:xfrm>
             <a:off x="4571640" y="828000"/>
-            <a:ext cx="4467240" cy="3563280"/>
+            <a:ext cx="4466880" cy="3562920"/>
             <a:chOff x="4571640" y="828000"/>
-            <a:chExt cx="4467240" cy="3563280"/>
+            <a:chExt cx="4466880" cy="3562920"/>
           </a:xfrm>
         </p:grpSpPr>
         <p:pic>
@@ -15399,7 +15399,7 @@
           <p:spPr>
             <a:xfrm>
               <a:off x="4571640" y="828000"/>
-              <a:ext cx="4467240" cy="3563280"/>
+              <a:ext cx="4466880" cy="3562920"/>
             </a:xfrm>
             <a:prstGeom prst="rect">
               <a:avLst/>
@@ -15417,8 +15417,8 @@
           </p:nvSpPr>
           <p:spPr>
             <a:xfrm rot="16200000">
-              <a:off x="5962680" y="1159920"/>
-              <a:ext cx="1736280" cy="2770200"/>
+              <a:off x="5962680" y="1160280"/>
+              <a:ext cx="1735920" cy="2769840"/>
             </a:xfrm>
             <a:prstGeom prst="roundRect">
               <a:avLst>
@@ -15485,7 +15485,7 @@
         <p:spPr>
           <a:xfrm>
             <a:off x="5446080" y="1672200"/>
-            <a:ext cx="2769840" cy="1736280"/>
+            <a:ext cx="2769480" cy="1735920"/>
           </a:xfrm>
           <a:prstGeom prst="rect">
             <a:avLst/>
@@ -15537,7 +15537,7 @@
         <p:spPr>
           <a:xfrm>
             <a:off x="586440" y="1246680"/>
-            <a:ext cx="4003200" cy="3598920"/>
+            <a:ext cx="4002840" cy="3598560"/>
           </a:xfrm>
           <a:prstGeom prst="rect">
             <a:avLst/>
@@ -15589,7 +15589,7 @@
         <p:spPr>
           <a:xfrm>
             <a:off x="586440" y="453960"/>
-            <a:ext cx="4763160" cy="854280"/>
+            <a:ext cx="4762800" cy="853920"/>
           </a:xfrm>
           <a:prstGeom prst="rect">
             <a:avLst/>
@@ -15677,8 +15677,8 @@
         </p:nvSpPr>
         <p:spPr>
           <a:xfrm rot="2745600">
-            <a:off x="8349840" y="-667800"/>
-            <a:ext cx="1497240" cy="1497240"/>
+            <a:off x="8350200" y="-667800"/>
+            <a:ext cx="1496880" cy="1496880"/>
           </a:xfrm>
           <a:prstGeom prst="roundRect">
             <a:avLst>
@@ -15715,8 +15715,8 @@
         </p:nvSpPr>
         <p:spPr>
           <a:xfrm rot="2745600">
-            <a:off x="7634160" y="-322200"/>
-            <a:ext cx="806040" cy="806400"/>
+            <a:off x="7634160" y="-321840"/>
+            <a:ext cx="805680" cy="806040"/>
           </a:xfrm>
           <a:prstGeom prst="roundRect">
             <a:avLst>
@@ -15755,7 +15755,7 @@
         <p:spPr>
           <a:xfrm>
             <a:off x="586440" y="899640"/>
-            <a:ext cx="7930800" cy="1536120"/>
+            <a:ext cx="7930440" cy="1535760"/>
           </a:xfrm>
           <a:prstGeom prst="rect">
             <a:avLst/>
@@ -15807,7 +15807,7 @@
         <p:spPr>
           <a:xfrm>
             <a:off x="608040" y="2545560"/>
-            <a:ext cx="3711240" cy="2254680"/>
+            <a:ext cx="3710880" cy="2254320"/>
           </a:xfrm>
           <a:prstGeom prst="rect">
             <a:avLst/>
@@ -15859,7 +15859,7 @@
         <p:spPr>
           <a:xfrm>
             <a:off x="4806360" y="2545560"/>
-            <a:ext cx="3711240" cy="2254680"/>
+            <a:ext cx="3710880" cy="2254320"/>
           </a:xfrm>
           <a:prstGeom prst="rect">
             <a:avLst/>
@@ -15911,7 +15911,7 @@
         <p:spPr>
           <a:xfrm>
             <a:off x="583200" y="450720"/>
-            <a:ext cx="7197120" cy="511200"/>
+            <a:ext cx="7196760" cy="510840"/>
           </a:xfrm>
           <a:prstGeom prst="rect">
             <a:avLst/>
@@ -15993,7 +15993,7 @@
         <p:spPr>
           <a:xfrm>
             <a:off x="586440" y="1246680"/>
-            <a:ext cx="4003200" cy="3598920"/>
+            <a:ext cx="4002840" cy="3598560"/>
           </a:xfrm>
           <a:prstGeom prst="rect">
             <a:avLst/>
@@ -16045,7 +16045,7 @@
         <p:spPr>
           <a:xfrm>
             <a:off x="559800" y="446040"/>
-            <a:ext cx="4282560" cy="682560"/>
+            <a:ext cx="4282200" cy="682200"/>
           </a:xfrm>
           <a:prstGeom prst="rect">
             <a:avLst/>
@@ -16097,7 +16097,7 @@
         <p:spPr>
           <a:xfrm>
             <a:off x="5097600" y="360"/>
-            <a:ext cx="4378680" cy="5142960"/>
+            <a:ext cx="4378320" cy="5142600"/>
           </a:xfrm>
           <a:prstGeom prst="roundRect">
             <a:avLst>
@@ -16162,8 +16162,8 @@
         </p:nvSpPr>
         <p:spPr>
           <a:xfrm rot="2744400">
-            <a:off x="-279720" y="-25560"/>
-            <a:ext cx="703440" cy="703080"/>
+            <a:off x="-279360" y="-25560"/>
+            <a:ext cx="703080" cy="702720"/>
           </a:xfrm>
           <a:prstGeom prst="roundRect">
             <a:avLst>
@@ -16200,8 +16200,8 @@
         </p:nvSpPr>
         <p:spPr>
           <a:xfrm rot="2625600">
-            <a:off x="4861080" y="4146120"/>
-            <a:ext cx="467280" cy="467280"/>
+            <a:off x="4861080" y="4145760"/>
+            <a:ext cx="466920" cy="466920"/>
           </a:xfrm>
           <a:prstGeom prst="roundRect">
             <a:avLst>
@@ -16275,8 +16275,8 @@
         </p:nvSpPr>
         <p:spPr>
           <a:xfrm rot="2744400">
-            <a:off x="-348840" y="4539240"/>
-            <a:ext cx="703440" cy="703080"/>
+            <a:off x="-348480" y="4538880"/>
+            <a:ext cx="703080" cy="702720"/>
           </a:xfrm>
           <a:prstGeom prst="roundRect">
             <a:avLst>
@@ -16313,8 +16313,8 @@
         </p:nvSpPr>
         <p:spPr>
           <a:xfrm rot="19228200">
-            <a:off x="5845680" y="-2265480"/>
-            <a:ext cx="4854240" cy="7725240"/>
+            <a:off x="5845320" y="-2265120"/>
+            <a:ext cx="4853880" cy="7724880"/>
           </a:xfrm>
           <a:prstGeom prst="roundRect">
             <a:avLst>
@@ -16352,9 +16352,9 @@
         <p:grpSpPr>
           <a:xfrm>
             <a:off x="4571640" y="828000"/>
-            <a:ext cx="4467240" cy="3563280"/>
+            <a:ext cx="4466880" cy="3562920"/>
             <a:chOff x="4571640" y="828000"/>
-            <a:chExt cx="4467240" cy="3563280"/>
+            <a:chExt cx="4466880" cy="3562920"/>
           </a:xfrm>
         </p:grpSpPr>
         <p:pic>
@@ -16370,7 +16370,7 @@
           <p:spPr>
             <a:xfrm>
               <a:off x="4571640" y="828000"/>
-              <a:ext cx="4467240" cy="3563280"/>
+              <a:ext cx="4466880" cy="3562920"/>
             </a:xfrm>
             <a:prstGeom prst="rect">
               <a:avLst/>
@@ -16388,8 +16388,8 @@
           </p:nvSpPr>
           <p:spPr>
             <a:xfrm rot="16200000">
-              <a:off x="5962680" y="1159920"/>
-              <a:ext cx="1736280" cy="2770200"/>
+              <a:off x="5962680" y="1160280"/>
+              <a:ext cx="1735920" cy="2769840"/>
             </a:xfrm>
             <a:prstGeom prst="roundRect">
               <a:avLst>
@@ -16456,7 +16456,7 @@
         <p:spPr>
           <a:xfrm>
             <a:off x="586440" y="1246680"/>
-            <a:ext cx="4003200" cy="3598920"/>
+            <a:ext cx="4002840" cy="3598560"/>
           </a:xfrm>
           <a:prstGeom prst="rect">
             <a:avLst/>
@@ -16508,7 +16508,7 @@
         <p:spPr>
           <a:xfrm>
             <a:off x="5446080" y="1672200"/>
-            <a:ext cx="2779200" cy="1736280"/>
+            <a:ext cx="2778840" cy="1735920"/>
           </a:xfrm>
           <a:prstGeom prst="rect">
             <a:avLst/>
@@ -16560,7 +16560,7 @@
         <p:spPr>
           <a:xfrm>
             <a:off x="586440" y="453960"/>
-            <a:ext cx="3695760" cy="854280"/>
+            <a:ext cx="3695400" cy="853920"/>
           </a:xfrm>
           <a:prstGeom prst="rect">
             <a:avLst/>
@@ -16649,7 +16649,7 @@
         <p:spPr>
           <a:xfrm>
             <a:off x="4222080" y="1246680"/>
-            <a:ext cx="4114080" cy="3598920"/>
+            <a:ext cx="4113720" cy="3598560"/>
           </a:xfrm>
           <a:prstGeom prst="rect">
             <a:avLst/>
@@ -16700,8 +16700,8 @@
         </p:nvSpPr>
         <p:spPr>
           <a:xfrm rot="16200000">
-            <a:off x="-2181600" y="1734480"/>
-            <a:ext cx="5142960" cy="1683000"/>
+            <a:off x="-2181600" y="1734840"/>
+            <a:ext cx="5142600" cy="1682640"/>
           </a:xfrm>
           <a:prstGeom prst="roundRect">
             <a:avLst>
@@ -16738,8 +16738,8 @@
         </p:nvSpPr>
         <p:spPr>
           <a:xfrm rot="2745000">
-            <a:off x="8575200" y="102960"/>
-            <a:ext cx="1131480" cy="1131120"/>
+            <a:off x="8575200" y="102600"/>
+            <a:ext cx="1131120" cy="1130760"/>
           </a:xfrm>
           <a:prstGeom prst="roundRect">
             <a:avLst>
@@ -16776,8 +16776,8 @@
         </p:nvSpPr>
         <p:spPr>
           <a:xfrm rot="16200000">
-            <a:off x="614880" y="919800"/>
-            <a:ext cx="3231000" cy="3312720"/>
+            <a:off x="614880" y="920160"/>
+            <a:ext cx="3230640" cy="3312360"/>
           </a:xfrm>
           <a:prstGeom prst="roundRect">
             <a:avLst>
@@ -16843,7 +16843,7 @@
         <p:spPr>
           <a:xfrm>
             <a:off x="4214160" y="456120"/>
-            <a:ext cx="4110840" cy="854280"/>
+            <a:ext cx="4110480" cy="853920"/>
           </a:xfrm>
           <a:prstGeom prst="rect">
             <a:avLst/>
@@ -16931,8 +16931,8 @@
         </p:nvSpPr>
         <p:spPr>
           <a:xfrm rot="2744400">
-            <a:off x="-348840" y="4539240"/>
-            <a:ext cx="703440" cy="703080"/>
+            <a:off x="-348480" y="4538880"/>
+            <a:ext cx="703080" cy="702720"/>
           </a:xfrm>
           <a:prstGeom prst="roundRect">
             <a:avLst>
@@ -16969,8 +16969,8 @@
         </p:nvSpPr>
         <p:spPr>
           <a:xfrm rot="19228200">
-            <a:off x="5845680" y="-2265480"/>
-            <a:ext cx="4854240" cy="7725240"/>
+            <a:off x="5845320" y="-2265120"/>
+            <a:ext cx="4853880" cy="7724880"/>
           </a:xfrm>
           <a:prstGeom prst="roundRect">
             <a:avLst>
@@ -17008,9 +17008,9 @@
         <p:grpSpPr>
           <a:xfrm>
             <a:off x="4571640" y="828000"/>
-            <a:ext cx="4467240" cy="3563280"/>
+            <a:ext cx="4466880" cy="3562920"/>
             <a:chOff x="4571640" y="828000"/>
-            <a:chExt cx="4467240" cy="3563280"/>
+            <a:chExt cx="4466880" cy="3562920"/>
           </a:xfrm>
         </p:grpSpPr>
         <p:pic>
@@ -17026,7 +17026,7 @@
           <p:spPr>
             <a:xfrm>
               <a:off x="4571640" y="828000"/>
-              <a:ext cx="4467240" cy="3563280"/>
+              <a:ext cx="4466880" cy="3562920"/>
             </a:xfrm>
             <a:prstGeom prst="rect">
               <a:avLst/>
@@ -17044,8 +17044,8 @@
           </p:nvSpPr>
           <p:spPr>
             <a:xfrm rot="16200000">
-              <a:off x="5962680" y="1159920"/>
-              <a:ext cx="1736280" cy="2770200"/>
+              <a:off x="5962680" y="1160280"/>
+              <a:ext cx="1735920" cy="2769840"/>
             </a:xfrm>
             <a:prstGeom prst="roundRect">
               <a:avLst>
@@ -17112,7 +17112,7 @@
         <p:spPr>
           <a:xfrm>
             <a:off x="586440" y="1246680"/>
-            <a:ext cx="4003200" cy="3598920"/>
+            <a:ext cx="4002840" cy="3598560"/>
           </a:xfrm>
           <a:prstGeom prst="rect">
             <a:avLst/>
@@ -17164,7 +17164,7 @@
         <p:spPr>
           <a:xfrm>
             <a:off x="5446080" y="1672200"/>
-            <a:ext cx="2779200" cy="1736280"/>
+            <a:ext cx="2778840" cy="1735920"/>
           </a:xfrm>
           <a:prstGeom prst="rect">
             <a:avLst/>
@@ -17216,7 +17216,7 @@
         <p:spPr>
           <a:xfrm>
             <a:off x="586440" y="453960"/>
-            <a:ext cx="3695760" cy="854280"/>
+            <a:ext cx="3695400" cy="853920"/>
           </a:xfrm>
           <a:prstGeom prst="rect">
             <a:avLst/>
@@ -17304,8 +17304,8 @@
         </p:nvSpPr>
         <p:spPr>
           <a:xfrm rot="2744400">
-            <a:off x="-279720" y="-25560"/>
-            <a:ext cx="703440" cy="703080"/>
+            <a:off x="-279360" y="-25560"/>
+            <a:ext cx="703080" cy="702720"/>
           </a:xfrm>
           <a:prstGeom prst="roundRect">
             <a:avLst>
@@ -17342,8 +17342,8 @@
         </p:nvSpPr>
         <p:spPr>
           <a:xfrm rot="2332200">
-            <a:off x="6009120" y="-319680"/>
-            <a:ext cx="4854600" cy="7725600"/>
+            <a:off x="6009120" y="-319320"/>
+            <a:ext cx="4854240" cy="7725240"/>
           </a:xfrm>
           <a:prstGeom prst="roundRect">
             <a:avLst>
@@ -17381,9 +17381,9 @@
         <p:grpSpPr>
           <a:xfrm>
             <a:off x="4571640" y="828000"/>
-            <a:ext cx="4467240" cy="3563280"/>
+            <a:ext cx="4466880" cy="3562920"/>
             <a:chOff x="4571640" y="828000"/>
-            <a:chExt cx="4467240" cy="3563280"/>
+            <a:chExt cx="4466880" cy="3562920"/>
           </a:xfrm>
         </p:grpSpPr>
         <p:pic>
@@ -17399,7 +17399,7 @@
           <p:spPr>
             <a:xfrm>
               <a:off x="4571640" y="828000"/>
-              <a:ext cx="4467240" cy="3563280"/>
+              <a:ext cx="4466880" cy="3562920"/>
             </a:xfrm>
             <a:prstGeom prst="rect">
               <a:avLst/>
@@ -17417,8 +17417,8 @@
           </p:nvSpPr>
           <p:spPr>
             <a:xfrm rot="16200000">
-              <a:off x="5962680" y="1159920"/>
-              <a:ext cx="1736280" cy="2770200"/>
+              <a:off x="5962680" y="1160280"/>
+              <a:ext cx="1735920" cy="2769840"/>
             </a:xfrm>
             <a:prstGeom prst="roundRect">
               <a:avLst>
@@ -17485,7 +17485,7 @@
         <p:spPr>
           <a:xfrm>
             <a:off x="5446080" y="1672200"/>
-            <a:ext cx="2769840" cy="1736280"/>
+            <a:ext cx="2769480" cy="1735920"/>
           </a:xfrm>
           <a:prstGeom prst="rect">
             <a:avLst/>
@@ -17537,7 +17537,7 @@
         <p:spPr>
           <a:xfrm>
             <a:off x="586440" y="1246680"/>
-            <a:ext cx="4003200" cy="3598920"/>
+            <a:ext cx="4002840" cy="3598560"/>
           </a:xfrm>
           <a:prstGeom prst="rect">
             <a:avLst/>
@@ -17589,7 +17589,7 @@
         <p:spPr>
           <a:xfrm>
             <a:off x="586440" y="453960"/>
-            <a:ext cx="4763160" cy="854280"/>
+            <a:ext cx="4762800" cy="853920"/>
           </a:xfrm>
           <a:prstGeom prst="rect">
             <a:avLst/>
@@ -17677,8 +17677,8 @@
         </p:nvSpPr>
         <p:spPr>
           <a:xfrm rot="2745600">
-            <a:off x="8349840" y="-667800"/>
-            <a:ext cx="1497240" cy="1497240"/>
+            <a:off x="8350200" y="-667800"/>
+            <a:ext cx="1496880" cy="1496880"/>
           </a:xfrm>
           <a:prstGeom prst="roundRect">
             <a:avLst>
@@ -17715,8 +17715,8 @@
         </p:nvSpPr>
         <p:spPr>
           <a:xfrm rot="2745600">
-            <a:off x="7634160" y="-322200"/>
-            <a:ext cx="806040" cy="806400"/>
+            <a:off x="7634160" y="-321840"/>
+            <a:ext cx="805680" cy="806040"/>
           </a:xfrm>
           <a:prstGeom prst="roundRect">
             <a:avLst>
@@ -17755,7 +17755,7 @@
         <p:spPr>
           <a:xfrm>
             <a:off x="586440" y="899640"/>
-            <a:ext cx="7930800" cy="1536120"/>
+            <a:ext cx="7930440" cy="1535760"/>
           </a:xfrm>
           <a:prstGeom prst="rect">
             <a:avLst/>
@@ -17807,7 +17807,7 @@
         <p:spPr>
           <a:xfrm>
             <a:off x="608040" y="2545560"/>
-            <a:ext cx="3711240" cy="2254680"/>
+            <a:ext cx="3710880" cy="2254320"/>
           </a:xfrm>
           <a:prstGeom prst="rect">
             <a:avLst/>
@@ -17859,7 +17859,7 @@
         <p:spPr>
           <a:xfrm>
             <a:off x="4806360" y="2545560"/>
-            <a:ext cx="3711240" cy="2254680"/>
+            <a:ext cx="3710880" cy="2254320"/>
           </a:xfrm>
           <a:prstGeom prst="rect">
             <a:avLst/>
@@ -17911,7 +17911,7 @@
         <p:spPr>
           <a:xfrm>
             <a:off x="583200" y="450720"/>
-            <a:ext cx="7197120" cy="511200"/>
+            <a:ext cx="7196760" cy="510840"/>
           </a:xfrm>
           <a:prstGeom prst="rect">
             <a:avLst/>
@@ -17993,7 +17993,7 @@
         <p:spPr>
           <a:xfrm>
             <a:off x="586440" y="1246680"/>
-            <a:ext cx="4003200" cy="3598920"/>
+            <a:ext cx="4002840" cy="3598560"/>
           </a:xfrm>
           <a:prstGeom prst="rect">
             <a:avLst/>
@@ -18045,7 +18045,7 @@
         <p:spPr>
           <a:xfrm>
             <a:off x="559800" y="446040"/>
-            <a:ext cx="4282560" cy="682560"/>
+            <a:ext cx="4282200" cy="682200"/>
           </a:xfrm>
           <a:prstGeom prst="rect">
             <a:avLst/>
@@ -18097,7 +18097,7 @@
         <p:spPr>
           <a:xfrm>
             <a:off x="5097600" y="360"/>
-            <a:ext cx="4378680" cy="5142960"/>
+            <a:ext cx="4378320" cy="5142600"/>
           </a:xfrm>
           <a:prstGeom prst="roundRect">
             <a:avLst>
@@ -18162,8 +18162,8 @@
         </p:nvSpPr>
         <p:spPr>
           <a:xfrm rot="2744400">
-            <a:off x="-279720" y="-25560"/>
-            <a:ext cx="703440" cy="703080"/>
+            <a:off x="-279360" y="-25560"/>
+            <a:ext cx="703080" cy="702720"/>
           </a:xfrm>
           <a:prstGeom prst="roundRect">
             <a:avLst>
@@ -18200,8 +18200,8 @@
         </p:nvSpPr>
         <p:spPr>
           <a:xfrm rot="2625600">
-            <a:off x="4861080" y="4146120"/>
-            <a:ext cx="467280" cy="467280"/>
+            <a:off x="4861080" y="4145760"/>
+            <a:ext cx="466920" cy="466920"/>
           </a:xfrm>
           <a:prstGeom prst="roundRect">
             <a:avLst>
@@ -18275,8 +18275,8 @@
         </p:nvSpPr>
         <p:spPr>
           <a:xfrm rot="2744400">
-            <a:off x="-348840" y="4539240"/>
-            <a:ext cx="703440" cy="703080"/>
+            <a:off x="-348480" y="4538880"/>
+            <a:ext cx="703080" cy="702720"/>
           </a:xfrm>
           <a:prstGeom prst="roundRect">
             <a:avLst>
@@ -18313,8 +18313,8 @@
         </p:nvSpPr>
         <p:spPr>
           <a:xfrm rot="19228200">
-            <a:off x="5845680" y="-2265480"/>
-            <a:ext cx="4854240" cy="7725240"/>
+            <a:off x="5845320" y="-2265120"/>
+            <a:ext cx="4853880" cy="7724880"/>
           </a:xfrm>
           <a:prstGeom prst="roundRect">
             <a:avLst>
@@ -18352,9 +18352,9 @@
         <p:grpSpPr>
           <a:xfrm>
             <a:off x="4571640" y="828000"/>
-            <a:ext cx="4467240" cy="3563280"/>
+            <a:ext cx="4466880" cy="3562920"/>
             <a:chOff x="4571640" y="828000"/>
-            <a:chExt cx="4467240" cy="3563280"/>
+            <a:chExt cx="4466880" cy="3562920"/>
           </a:xfrm>
         </p:grpSpPr>
         <p:pic>
@@ -18370,7 +18370,7 @@
           <p:spPr>
             <a:xfrm>
               <a:off x="4571640" y="828000"/>
-              <a:ext cx="4467240" cy="3563280"/>
+              <a:ext cx="4466880" cy="3562920"/>
             </a:xfrm>
             <a:prstGeom prst="rect">
               <a:avLst/>
@@ -18388,8 +18388,8 @@
           </p:nvSpPr>
           <p:spPr>
             <a:xfrm rot="16200000">
-              <a:off x="5962680" y="1159920"/>
-              <a:ext cx="1736280" cy="2770200"/>
+              <a:off x="5962680" y="1160280"/>
+              <a:ext cx="1735920" cy="2769840"/>
             </a:xfrm>
             <a:prstGeom prst="roundRect">
               <a:avLst>
@@ -18456,7 +18456,7 @@
         <p:spPr>
           <a:xfrm>
             <a:off x="586440" y="1246680"/>
-            <a:ext cx="4003200" cy="3598920"/>
+            <a:ext cx="4002840" cy="3598560"/>
           </a:xfrm>
           <a:prstGeom prst="rect">
             <a:avLst/>
@@ -18508,7 +18508,7 @@
         <p:spPr>
           <a:xfrm>
             <a:off x="5446080" y="1672200"/>
-            <a:ext cx="2779200" cy="1736280"/>
+            <a:ext cx="2778840" cy="1735920"/>
           </a:xfrm>
           <a:prstGeom prst="rect">
             <a:avLst/>
@@ -18560,7 +18560,7 @@
         <p:spPr>
           <a:xfrm>
             <a:off x="586440" y="453960"/>
-            <a:ext cx="3695760" cy="854280"/>
+            <a:ext cx="3695400" cy="853920"/>
           </a:xfrm>
           <a:prstGeom prst="rect">
             <a:avLst/>
@@ -18649,7 +18649,7 @@
         <p:spPr>
           <a:xfrm>
             <a:off x="4222080" y="1246680"/>
-            <a:ext cx="4114080" cy="3598920"/>
+            <a:ext cx="4113720" cy="3598560"/>
           </a:xfrm>
           <a:prstGeom prst="rect">
             <a:avLst/>
@@ -18700,8 +18700,8 @@
         </p:nvSpPr>
         <p:spPr>
           <a:xfrm rot="16200000">
-            <a:off x="-2181600" y="1734480"/>
-            <a:ext cx="5142960" cy="1683000"/>
+            <a:off x="-2181600" y="1734840"/>
+            <a:ext cx="5142600" cy="1682640"/>
           </a:xfrm>
           <a:prstGeom prst="roundRect">
             <a:avLst>
@@ -18738,8 +18738,8 @@
         </p:nvSpPr>
         <p:spPr>
           <a:xfrm rot="2745000">
-            <a:off x="8575200" y="102960"/>
-            <a:ext cx="1131480" cy="1131120"/>
+            <a:off x="8575200" y="102600"/>
+            <a:ext cx="1131120" cy="1130760"/>
           </a:xfrm>
           <a:prstGeom prst="roundRect">
             <a:avLst>
@@ -18776,8 +18776,8 @@
         </p:nvSpPr>
         <p:spPr>
           <a:xfrm rot="16200000">
-            <a:off x="614880" y="919800"/>
-            <a:ext cx="3231000" cy="3312720"/>
+            <a:off x="614880" y="920160"/>
+            <a:ext cx="3230640" cy="3312360"/>
           </a:xfrm>
           <a:prstGeom prst="roundRect">
             <a:avLst>
@@ -18843,7 +18843,7 @@
         <p:spPr>
           <a:xfrm>
             <a:off x="4214160" y="456120"/>
-            <a:ext cx="4110840" cy="854280"/>
+            <a:ext cx="4110480" cy="853920"/>
           </a:xfrm>
           <a:prstGeom prst="rect">
             <a:avLst/>
@@ -18931,8 +18931,8 @@
         </p:nvSpPr>
         <p:spPr>
           <a:xfrm rot="2744400">
-            <a:off x="-279720" y="-25560"/>
-            <a:ext cx="703440" cy="703080"/>
+            <a:off x="-279360" y="-25560"/>
+            <a:ext cx="703080" cy="702720"/>
           </a:xfrm>
           <a:prstGeom prst="roundRect">
             <a:avLst>
@@ -18969,8 +18969,8 @@
         </p:nvSpPr>
         <p:spPr>
           <a:xfrm rot="2332200">
-            <a:off x="6009120" y="-319680"/>
-            <a:ext cx="4854600" cy="7725600"/>
+            <a:off x="6009120" y="-319320"/>
+            <a:ext cx="4854240" cy="7725240"/>
           </a:xfrm>
           <a:prstGeom prst="roundRect">
             <a:avLst>
@@ -19008,9 +19008,9 @@
         <p:grpSpPr>
           <a:xfrm>
             <a:off x="4571640" y="828000"/>
-            <a:ext cx="4467240" cy="3563280"/>
+            <a:ext cx="4466880" cy="3562920"/>
             <a:chOff x="4571640" y="828000"/>
-            <a:chExt cx="4467240" cy="3563280"/>
+            <a:chExt cx="4466880" cy="3562920"/>
           </a:xfrm>
         </p:grpSpPr>
         <p:pic>
@@ -19026,7 +19026,7 @@
           <p:spPr>
             <a:xfrm>
               <a:off x="4571640" y="828000"/>
-              <a:ext cx="4467240" cy="3563280"/>
+              <a:ext cx="4466880" cy="3562920"/>
             </a:xfrm>
             <a:prstGeom prst="rect">
               <a:avLst/>
@@ -19044,8 +19044,8 @@
           </p:nvSpPr>
           <p:spPr>
             <a:xfrm rot="16200000">
-              <a:off x="5962680" y="1159920"/>
-              <a:ext cx="1736280" cy="2770200"/>
+              <a:off x="5962680" y="1160280"/>
+              <a:ext cx="1735920" cy="2769840"/>
             </a:xfrm>
             <a:prstGeom prst="roundRect">
               <a:avLst>
@@ -19112,7 +19112,7 @@
         <p:spPr>
           <a:xfrm>
             <a:off x="5446080" y="1672200"/>
-            <a:ext cx="2769840" cy="1736280"/>
+            <a:ext cx="2769480" cy="1735920"/>
           </a:xfrm>
           <a:prstGeom prst="rect">
             <a:avLst/>
@@ -19164,7 +19164,7 @@
         <p:spPr>
           <a:xfrm>
             <a:off x="586440" y="1246680"/>
-            <a:ext cx="4003200" cy="3598920"/>
+            <a:ext cx="4002840" cy="3598560"/>
           </a:xfrm>
           <a:prstGeom prst="rect">
             <a:avLst/>
@@ -19216,7 +19216,7 @@
         <p:spPr>
           <a:xfrm>
             <a:off x="586440" y="453960"/>
-            <a:ext cx="4763160" cy="854280"/>
+            <a:ext cx="4762800" cy="853920"/>
           </a:xfrm>
           <a:prstGeom prst="rect">
             <a:avLst/>
@@ -19304,8 +19304,8 @@
         </p:nvSpPr>
         <p:spPr>
           <a:xfrm rot="2745600">
-            <a:off x="8349840" y="-667800"/>
-            <a:ext cx="1497240" cy="1497240"/>
+            <a:off x="8350200" y="-667800"/>
+            <a:ext cx="1496880" cy="1496880"/>
           </a:xfrm>
           <a:prstGeom prst="roundRect">
             <a:avLst>
@@ -19342,8 +19342,8 @@
         </p:nvSpPr>
         <p:spPr>
           <a:xfrm rot="2745600">
-            <a:off x="7634160" y="-322200"/>
-            <a:ext cx="806040" cy="806400"/>
+            <a:off x="7634160" y="-321840"/>
+            <a:ext cx="805680" cy="806040"/>
           </a:xfrm>
           <a:prstGeom prst="roundRect">
             <a:avLst>
@@ -19382,7 +19382,7 @@
         <p:spPr>
           <a:xfrm>
             <a:off x="586440" y="899640"/>
-            <a:ext cx="7930800" cy="1536120"/>
+            <a:ext cx="7930440" cy="1535760"/>
           </a:xfrm>
           <a:prstGeom prst="rect">
             <a:avLst/>
@@ -19434,7 +19434,7 @@
         <p:spPr>
           <a:xfrm>
             <a:off x="608040" y="2545560"/>
-            <a:ext cx="3711240" cy="2254680"/>
+            <a:ext cx="3710880" cy="2254320"/>
           </a:xfrm>
           <a:prstGeom prst="rect">
             <a:avLst/>
@@ -19486,7 +19486,7 @@
         <p:spPr>
           <a:xfrm>
             <a:off x="4806360" y="2545560"/>
-            <a:ext cx="3711240" cy="2254680"/>
+            <a:ext cx="3710880" cy="2254320"/>
           </a:xfrm>
           <a:prstGeom prst="rect">
             <a:avLst/>
@@ -19538,7 +19538,7 @@
         <p:spPr>
           <a:xfrm>
             <a:off x="583200" y="450720"/>
-            <a:ext cx="7197120" cy="511200"/>
+            <a:ext cx="7196760" cy="510840"/>
           </a:xfrm>
           <a:prstGeom prst="rect">
             <a:avLst/>
@@ -19620,7 +19620,7 @@
         <p:spPr>
           <a:xfrm>
             <a:off x="586440" y="1246680"/>
-            <a:ext cx="4003200" cy="3598920"/>
+            <a:ext cx="4002840" cy="3598560"/>
           </a:xfrm>
           <a:prstGeom prst="rect">
             <a:avLst/>
@@ -19672,7 +19672,7 @@
         <p:spPr>
           <a:xfrm>
             <a:off x="559800" y="446040"/>
-            <a:ext cx="4282560" cy="682560"/>
+            <a:ext cx="4282200" cy="682200"/>
           </a:xfrm>
           <a:prstGeom prst="rect">
             <a:avLst/>
@@ -19724,7 +19724,7 @@
         <p:spPr>
           <a:xfrm>
             <a:off x="5097600" y="360"/>
-            <a:ext cx="4378680" cy="5142960"/>
+            <a:ext cx="4378320" cy="5142600"/>
           </a:xfrm>
           <a:prstGeom prst="roundRect">
             <a:avLst>
@@ -19789,8 +19789,8 @@
         </p:nvSpPr>
         <p:spPr>
           <a:xfrm rot="2744400">
-            <a:off x="-279720" y="-25560"/>
-            <a:ext cx="703440" cy="703080"/>
+            <a:off x="-279360" y="-25560"/>
+            <a:ext cx="703080" cy="702720"/>
           </a:xfrm>
           <a:prstGeom prst="roundRect">
             <a:avLst>
@@ -19827,8 +19827,8 @@
         </p:nvSpPr>
         <p:spPr>
           <a:xfrm rot="2625600">
-            <a:off x="4861080" y="4146120"/>
-            <a:ext cx="467280" cy="467280"/>
+            <a:off x="4861080" y="4145760"/>
+            <a:ext cx="466920" cy="466920"/>
           </a:xfrm>
           <a:prstGeom prst="roundRect">
             <a:avLst>
@@ -19902,8 +19902,8 @@
         </p:nvSpPr>
         <p:spPr>
           <a:xfrm rot="2744400">
-            <a:off x="-348840" y="4539240"/>
-            <a:ext cx="703440" cy="703080"/>
+            <a:off x="-348480" y="4538880"/>
+            <a:ext cx="703080" cy="702720"/>
           </a:xfrm>
           <a:prstGeom prst="roundRect">
             <a:avLst>
@@ -19940,8 +19940,8 @@
         </p:nvSpPr>
         <p:spPr>
           <a:xfrm rot="19228200">
-            <a:off x="5845680" y="-2265480"/>
-            <a:ext cx="4854240" cy="7725240"/>
+            <a:off x="5845320" y="-2265120"/>
+            <a:ext cx="4853880" cy="7724880"/>
           </a:xfrm>
           <a:prstGeom prst="roundRect">
             <a:avLst>
@@ -19979,9 +19979,9 @@
         <p:grpSpPr>
           <a:xfrm>
             <a:off x="4571640" y="828000"/>
-            <a:ext cx="4467240" cy="3563280"/>
+            <a:ext cx="4466880" cy="3562920"/>
             <a:chOff x="4571640" y="828000"/>
-            <a:chExt cx="4467240" cy="3563280"/>
+            <a:chExt cx="4466880" cy="3562920"/>
           </a:xfrm>
         </p:grpSpPr>
         <p:pic>
@@ -19997,7 +19997,7 @@
           <p:spPr>
             <a:xfrm>
               <a:off x="4571640" y="828000"/>
-              <a:ext cx="4467240" cy="3563280"/>
+              <a:ext cx="4466880" cy="3562920"/>
             </a:xfrm>
             <a:prstGeom prst="rect">
               <a:avLst/>
@@ -20015,8 +20015,8 @@
           </p:nvSpPr>
           <p:spPr>
             <a:xfrm rot="16200000">
-              <a:off x="5962680" y="1159920"/>
-              <a:ext cx="1736280" cy="2770200"/>
+              <a:off x="5962680" y="1160280"/>
+              <a:ext cx="1735920" cy="2769840"/>
             </a:xfrm>
             <a:prstGeom prst="roundRect">
               <a:avLst>
@@ -20083,7 +20083,7 @@
         <p:spPr>
           <a:xfrm>
             <a:off x="586440" y="1246680"/>
-            <a:ext cx="4003200" cy="3598920"/>
+            <a:ext cx="4002840" cy="3598560"/>
           </a:xfrm>
           <a:prstGeom prst="rect">
             <a:avLst/>
@@ -20135,7 +20135,7 @@
         <p:spPr>
           <a:xfrm>
             <a:off x="5446080" y="1672200"/>
-            <a:ext cx="2779200" cy="1736280"/>
+            <a:ext cx="2778840" cy="1735920"/>
           </a:xfrm>
           <a:prstGeom prst="rect">
             <a:avLst/>
@@ -20187,7 +20187,7 @@
         <p:spPr>
           <a:xfrm>
             <a:off x="586440" y="453960"/>
-            <a:ext cx="3695760" cy="854280"/>
+            <a:ext cx="3695400" cy="853920"/>
           </a:xfrm>
           <a:prstGeom prst="rect">
             <a:avLst/>
@@ -20276,7 +20276,7 @@
         <p:spPr>
           <a:xfrm>
             <a:off x="4222080" y="1246680"/>
-            <a:ext cx="4114080" cy="3598920"/>
+            <a:ext cx="4113720" cy="3598560"/>
           </a:xfrm>
           <a:prstGeom prst="rect">
             <a:avLst/>
@@ -20327,8 +20327,8 @@
         </p:nvSpPr>
         <p:spPr>
           <a:xfrm rot="16200000">
-            <a:off x="-2181600" y="1734480"/>
-            <a:ext cx="5142960" cy="1683000"/>
+            <a:off x="-2181600" y="1734840"/>
+            <a:ext cx="5142600" cy="1682640"/>
           </a:xfrm>
           <a:prstGeom prst="roundRect">
             <a:avLst>
@@ -20365,8 +20365,8 @@
         </p:nvSpPr>
         <p:spPr>
           <a:xfrm rot="2745000">
-            <a:off x="8575200" y="102960"/>
-            <a:ext cx="1131480" cy="1131120"/>
+            <a:off x="8575200" y="102600"/>
+            <a:ext cx="1131120" cy="1130760"/>
           </a:xfrm>
           <a:prstGeom prst="roundRect">
             <a:avLst>
@@ -20403,8 +20403,8 @@
         </p:nvSpPr>
         <p:spPr>
           <a:xfrm rot="16200000">
-            <a:off x="614880" y="919800"/>
-            <a:ext cx="3231000" cy="3312720"/>
+            <a:off x="614880" y="920160"/>
+            <a:ext cx="3230640" cy="3312360"/>
           </a:xfrm>
           <a:prstGeom prst="roundRect">
             <a:avLst>
@@ -20470,7 +20470,7 @@
         <p:spPr>
           <a:xfrm>
             <a:off x="4214160" y="456120"/>
-            <a:ext cx="4110840" cy="854280"/>
+            <a:ext cx="4110480" cy="853920"/>
           </a:xfrm>
           <a:prstGeom prst="rect">
             <a:avLst/>
@@ -20559,7 +20559,7 @@
         <p:spPr>
           <a:xfrm>
             <a:off x="4222080" y="1246680"/>
-            <a:ext cx="4114080" cy="3598920"/>
+            <a:ext cx="4113720" cy="3598560"/>
           </a:xfrm>
           <a:prstGeom prst="rect">
             <a:avLst/>
@@ -20610,8 +20610,8 @@
         </p:nvSpPr>
         <p:spPr>
           <a:xfrm rot="16200000">
-            <a:off x="-2181600" y="1734480"/>
-            <a:ext cx="5142960" cy="1683000"/>
+            <a:off x="-2181600" y="1734840"/>
+            <a:ext cx="5142600" cy="1682640"/>
           </a:xfrm>
           <a:prstGeom prst="roundRect">
             <a:avLst>
@@ -20648,8 +20648,8 @@
         </p:nvSpPr>
         <p:spPr>
           <a:xfrm rot="2745000">
-            <a:off x="8575200" y="102960"/>
-            <a:ext cx="1131480" cy="1131120"/>
+            <a:off x="8575200" y="102600"/>
+            <a:ext cx="1131120" cy="1130760"/>
           </a:xfrm>
           <a:prstGeom prst="roundRect">
             <a:avLst>
@@ -20686,8 +20686,8 @@
         </p:nvSpPr>
         <p:spPr>
           <a:xfrm rot="16200000">
-            <a:off x="614880" y="919800"/>
-            <a:ext cx="3231000" cy="3312720"/>
+            <a:off x="614880" y="920160"/>
+            <a:ext cx="3230640" cy="3312360"/>
           </a:xfrm>
           <a:prstGeom prst="roundRect">
             <a:avLst>
@@ -20753,7 +20753,7 @@
         <p:spPr>
           <a:xfrm>
             <a:off x="4214160" y="456120"/>
-            <a:ext cx="4110840" cy="854280"/>
+            <a:ext cx="4110480" cy="853920"/>
           </a:xfrm>
           <a:prstGeom prst="rect">
             <a:avLst/>
@@ -20841,8 +20841,8 @@
         </p:nvSpPr>
         <p:spPr>
           <a:xfrm rot="2744400">
-            <a:off x="-279720" y="-25560"/>
-            <a:ext cx="703440" cy="703080"/>
+            <a:off x="-279360" y="-25560"/>
+            <a:ext cx="703080" cy="702720"/>
           </a:xfrm>
           <a:prstGeom prst="roundRect">
             <a:avLst>
@@ -20879,8 +20879,8 @@
         </p:nvSpPr>
         <p:spPr>
           <a:xfrm rot="2332200">
-            <a:off x="6009120" y="-319680"/>
-            <a:ext cx="4854600" cy="7725600"/>
+            <a:off x="6009120" y="-319320"/>
+            <a:ext cx="4854240" cy="7725240"/>
           </a:xfrm>
           <a:prstGeom prst="roundRect">
             <a:avLst>
@@ -20918,9 +20918,9 @@
         <p:grpSpPr>
           <a:xfrm>
             <a:off x="4571640" y="828000"/>
-            <a:ext cx="4467240" cy="3563280"/>
+            <a:ext cx="4466880" cy="3562920"/>
             <a:chOff x="4571640" y="828000"/>
-            <a:chExt cx="4467240" cy="3563280"/>
+            <a:chExt cx="4466880" cy="3562920"/>
           </a:xfrm>
         </p:grpSpPr>
         <p:pic>
@@ -20936,7 +20936,7 @@
           <p:spPr>
             <a:xfrm>
               <a:off x="4571640" y="828000"/>
-              <a:ext cx="4467240" cy="3563280"/>
+              <a:ext cx="4466880" cy="3562920"/>
             </a:xfrm>
             <a:prstGeom prst="rect">
               <a:avLst/>
@@ -20954,8 +20954,8 @@
           </p:nvSpPr>
           <p:spPr>
             <a:xfrm rot="16200000">
-              <a:off x="5962680" y="1159920"/>
-              <a:ext cx="1736280" cy="2770200"/>
+              <a:off x="5962680" y="1160280"/>
+              <a:ext cx="1735920" cy="2769840"/>
             </a:xfrm>
             <a:prstGeom prst="roundRect">
               <a:avLst>
@@ -21022,7 +21022,7 @@
         <p:spPr>
           <a:xfrm>
             <a:off x="5446080" y="1672200"/>
-            <a:ext cx="2769840" cy="1736280"/>
+            <a:ext cx="2769480" cy="1735920"/>
           </a:xfrm>
           <a:prstGeom prst="rect">
             <a:avLst/>
@@ -21074,7 +21074,7 @@
         <p:spPr>
           <a:xfrm>
             <a:off x="586440" y="1246680"/>
-            <a:ext cx="4003200" cy="3598920"/>
+            <a:ext cx="4002840" cy="3598560"/>
           </a:xfrm>
           <a:prstGeom prst="rect">
             <a:avLst/>
@@ -21126,7 +21126,7 @@
         <p:spPr>
           <a:xfrm>
             <a:off x="586440" y="453960"/>
-            <a:ext cx="4763160" cy="854280"/>
+            <a:ext cx="4762800" cy="853920"/>
           </a:xfrm>
           <a:prstGeom prst="rect">
             <a:avLst/>
@@ -21214,8 +21214,8 @@
         </p:nvSpPr>
         <p:spPr>
           <a:xfrm rot="2745600">
-            <a:off x="8349840" y="-667800"/>
-            <a:ext cx="1497240" cy="1497240"/>
+            <a:off x="8350200" y="-667800"/>
+            <a:ext cx="1496880" cy="1496880"/>
           </a:xfrm>
           <a:prstGeom prst="roundRect">
             <a:avLst>
@@ -21252,8 +21252,8 @@
         </p:nvSpPr>
         <p:spPr>
           <a:xfrm rot="2745600">
-            <a:off x="7634160" y="-322200"/>
-            <a:ext cx="806040" cy="806400"/>
+            <a:off x="7634160" y="-321840"/>
+            <a:ext cx="805680" cy="806040"/>
           </a:xfrm>
           <a:prstGeom prst="roundRect">
             <a:avLst>
@@ -21292,7 +21292,7 @@
         <p:spPr>
           <a:xfrm>
             <a:off x="586440" y="899640"/>
-            <a:ext cx="7930800" cy="1536120"/>
+            <a:ext cx="7930440" cy="1535760"/>
           </a:xfrm>
           <a:prstGeom prst="rect">
             <a:avLst/>
@@ -21344,7 +21344,7 @@
         <p:spPr>
           <a:xfrm>
             <a:off x="608040" y="2545560"/>
-            <a:ext cx="3711240" cy="2254680"/>
+            <a:ext cx="3710880" cy="2254320"/>
           </a:xfrm>
           <a:prstGeom prst="rect">
             <a:avLst/>
@@ -21396,7 +21396,7 @@
         <p:spPr>
           <a:xfrm>
             <a:off x="4806360" y="2545560"/>
-            <a:ext cx="3711240" cy="2254680"/>
+            <a:ext cx="3710880" cy="2254320"/>
           </a:xfrm>
           <a:prstGeom prst="rect">
             <a:avLst/>
@@ -21448,7 +21448,7 @@
         <p:spPr>
           <a:xfrm>
             <a:off x="583200" y="450720"/>
-            <a:ext cx="7197120" cy="511200"/>
+            <a:ext cx="7196760" cy="510840"/>
           </a:xfrm>
           <a:prstGeom prst="rect">
             <a:avLst/>
@@ -21530,7 +21530,7 @@
         <p:spPr>
           <a:xfrm>
             <a:off x="586440" y="1246680"/>
-            <a:ext cx="4003200" cy="3598920"/>
+            <a:ext cx="4002840" cy="3598560"/>
           </a:xfrm>
           <a:prstGeom prst="rect">
             <a:avLst/>
@@ -21582,7 +21582,7 @@
         <p:spPr>
           <a:xfrm>
             <a:off x="559800" y="446040"/>
-            <a:ext cx="4282560" cy="682560"/>
+            <a:ext cx="4282200" cy="682200"/>
           </a:xfrm>
           <a:prstGeom prst="rect">
             <a:avLst/>
@@ -21634,7 +21634,7 @@
         <p:spPr>
           <a:xfrm>
             <a:off x="5097600" y="360"/>
-            <a:ext cx="4378680" cy="5142960"/>
+            <a:ext cx="4378320" cy="5142600"/>
           </a:xfrm>
           <a:prstGeom prst="roundRect">
             <a:avLst>
@@ -21699,8 +21699,8 @@
         </p:nvSpPr>
         <p:spPr>
           <a:xfrm rot="2744400">
-            <a:off x="-279720" y="-25560"/>
-            <a:ext cx="703440" cy="703080"/>
+            <a:off x="-279360" y="-25560"/>
+            <a:ext cx="703080" cy="702720"/>
           </a:xfrm>
           <a:prstGeom prst="roundRect">
             <a:avLst>
@@ -21737,8 +21737,8 @@
         </p:nvSpPr>
         <p:spPr>
           <a:xfrm rot="2625600">
-            <a:off x="4861080" y="4146120"/>
-            <a:ext cx="467280" cy="467280"/>
+            <a:off x="4861080" y="4145760"/>
+            <a:ext cx="466920" cy="466920"/>
           </a:xfrm>
           <a:prstGeom prst="roundRect">
             <a:avLst>
@@ -21812,8 +21812,8 @@
         </p:nvSpPr>
         <p:spPr>
           <a:xfrm rot="2744400">
-            <a:off x="-348840" y="4539240"/>
-            <a:ext cx="703440" cy="703080"/>
+            <a:off x="-348480" y="4538880"/>
+            <a:ext cx="703080" cy="702720"/>
           </a:xfrm>
           <a:prstGeom prst="roundRect">
             <a:avLst>
@@ -21850,8 +21850,8 @@
         </p:nvSpPr>
         <p:spPr>
           <a:xfrm rot="19228200">
-            <a:off x="5845680" y="-2265480"/>
-            <a:ext cx="4854240" cy="7725240"/>
+            <a:off x="5845320" y="-2265120"/>
+            <a:ext cx="4853880" cy="7724880"/>
           </a:xfrm>
           <a:prstGeom prst="roundRect">
             <a:avLst>
@@ -21889,9 +21889,9 @@
         <p:grpSpPr>
           <a:xfrm>
             <a:off x="4571640" y="828000"/>
-            <a:ext cx="4467240" cy="3563280"/>
+            <a:ext cx="4466880" cy="3562920"/>
             <a:chOff x="4571640" y="828000"/>
-            <a:chExt cx="4467240" cy="3563280"/>
+            <a:chExt cx="4466880" cy="3562920"/>
           </a:xfrm>
         </p:grpSpPr>
         <p:pic>
@@ -21907,7 +21907,7 @@
           <p:spPr>
             <a:xfrm>
               <a:off x="4571640" y="828000"/>
-              <a:ext cx="4467240" cy="3563280"/>
+              <a:ext cx="4466880" cy="3562920"/>
             </a:xfrm>
             <a:prstGeom prst="rect">
               <a:avLst/>
@@ -21925,8 +21925,8 @@
           </p:nvSpPr>
           <p:spPr>
             <a:xfrm rot="16200000">
-              <a:off x="5962680" y="1159920"/>
-              <a:ext cx="1736280" cy="2770200"/>
+              <a:off x="5962680" y="1160280"/>
+              <a:ext cx="1735920" cy="2769840"/>
             </a:xfrm>
             <a:prstGeom prst="roundRect">
               <a:avLst>
@@ -21993,7 +21993,7 @@
         <p:spPr>
           <a:xfrm>
             <a:off x="586440" y="1246680"/>
-            <a:ext cx="4003200" cy="3598920"/>
+            <a:ext cx="4002840" cy="3598560"/>
           </a:xfrm>
           <a:prstGeom prst="rect">
             <a:avLst/>
@@ -22045,7 +22045,7 @@
         <p:spPr>
           <a:xfrm>
             <a:off x="5446080" y="1672200"/>
-            <a:ext cx="2779200" cy="1736280"/>
+            <a:ext cx="2778840" cy="1735920"/>
           </a:xfrm>
           <a:prstGeom prst="rect">
             <a:avLst/>
@@ -22097,7 +22097,7 @@
         <p:spPr>
           <a:xfrm>
             <a:off x="586440" y="453960"/>
-            <a:ext cx="3695760" cy="854280"/>
+            <a:ext cx="3695400" cy="853920"/>
           </a:xfrm>
           <a:prstGeom prst="rect">
             <a:avLst/>
@@ -22186,7 +22186,7 @@
         <p:spPr>
           <a:xfrm>
             <a:off x="4222080" y="1246680"/>
-            <a:ext cx="4114080" cy="3598920"/>
+            <a:ext cx="4113720" cy="3598560"/>
           </a:xfrm>
           <a:prstGeom prst="rect">
             <a:avLst/>
@@ -22237,8 +22237,8 @@
         </p:nvSpPr>
         <p:spPr>
           <a:xfrm rot="16200000">
-            <a:off x="-2181600" y="1734480"/>
-            <a:ext cx="5142960" cy="1683000"/>
+            <a:off x="-2181600" y="1734840"/>
+            <a:ext cx="5142600" cy="1682640"/>
           </a:xfrm>
           <a:prstGeom prst="roundRect">
             <a:avLst>
@@ -22275,8 +22275,8 @@
         </p:nvSpPr>
         <p:spPr>
           <a:xfrm rot="2745000">
-            <a:off x="8575200" y="102960"/>
-            <a:ext cx="1131480" cy="1131120"/>
+            <a:off x="8575200" y="102600"/>
+            <a:ext cx="1131120" cy="1130760"/>
           </a:xfrm>
           <a:prstGeom prst="roundRect">
             <a:avLst>
@@ -22313,8 +22313,8 @@
         </p:nvSpPr>
         <p:spPr>
           <a:xfrm rot="16200000">
-            <a:off x="614880" y="919800"/>
-            <a:ext cx="3231000" cy="3312720"/>
+            <a:off x="614880" y="920160"/>
+            <a:ext cx="3230640" cy="3312360"/>
           </a:xfrm>
           <a:prstGeom prst="roundRect">
             <a:avLst>
@@ -22380,7 +22380,7 @@
         <p:spPr>
           <a:xfrm>
             <a:off x="4214160" y="456120"/>
-            <a:ext cx="4110840" cy="854280"/>
+            <a:ext cx="4110480" cy="853920"/>
           </a:xfrm>
           <a:prstGeom prst="rect">
             <a:avLst/>
@@ -22468,8 +22468,8 @@
         </p:nvSpPr>
         <p:spPr>
           <a:xfrm rot="2744400">
-            <a:off x="-279720" y="-25560"/>
-            <a:ext cx="703440" cy="703080"/>
+            <a:off x="-279360" y="-25560"/>
+            <a:ext cx="703080" cy="702720"/>
           </a:xfrm>
           <a:prstGeom prst="roundRect">
             <a:avLst>
@@ -22506,8 +22506,8 @@
         </p:nvSpPr>
         <p:spPr>
           <a:xfrm rot="2332200">
-            <a:off x="6009120" y="-319680"/>
-            <a:ext cx="4854600" cy="7725600"/>
+            <a:off x="6009120" y="-319320"/>
+            <a:ext cx="4854240" cy="7725240"/>
           </a:xfrm>
           <a:prstGeom prst="roundRect">
             <a:avLst>
@@ -22545,9 +22545,9 @@
         <p:grpSpPr>
           <a:xfrm>
             <a:off x="4571640" y="828000"/>
-            <a:ext cx="4467240" cy="3563280"/>
+            <a:ext cx="4466880" cy="3562920"/>
             <a:chOff x="4571640" y="828000"/>
-            <a:chExt cx="4467240" cy="3563280"/>
+            <a:chExt cx="4466880" cy="3562920"/>
           </a:xfrm>
         </p:grpSpPr>
         <p:pic>
@@ -22563,7 +22563,7 @@
           <p:spPr>
             <a:xfrm>
               <a:off x="4571640" y="828000"/>
-              <a:ext cx="4467240" cy="3563280"/>
+              <a:ext cx="4466880" cy="3562920"/>
             </a:xfrm>
             <a:prstGeom prst="rect">
               <a:avLst/>
@@ -22581,8 +22581,8 @@
           </p:nvSpPr>
           <p:spPr>
             <a:xfrm rot="16200000">
-              <a:off x="5962680" y="1159920"/>
-              <a:ext cx="1736280" cy="2770200"/>
+              <a:off x="5962680" y="1160280"/>
+              <a:ext cx="1735920" cy="2769840"/>
             </a:xfrm>
             <a:prstGeom prst="roundRect">
               <a:avLst>
@@ -22649,7 +22649,7 @@
         <p:spPr>
           <a:xfrm>
             <a:off x="5446080" y="1672200"/>
-            <a:ext cx="2769840" cy="1736280"/>
+            <a:ext cx="2769480" cy="1735920"/>
           </a:xfrm>
           <a:prstGeom prst="rect">
             <a:avLst/>
@@ -22701,7 +22701,7 @@
         <p:spPr>
           <a:xfrm>
             <a:off x="586440" y="1246680"/>
-            <a:ext cx="4003200" cy="3598920"/>
+            <a:ext cx="4002840" cy="3598560"/>
           </a:xfrm>
           <a:prstGeom prst="rect">
             <a:avLst/>
@@ -22753,7 +22753,7 @@
         <p:spPr>
           <a:xfrm>
             <a:off x="586440" y="453960"/>
-            <a:ext cx="4763160" cy="854280"/>
+            <a:ext cx="4762800" cy="853920"/>
           </a:xfrm>
           <a:prstGeom prst="rect">
             <a:avLst/>
@@ -22841,8 +22841,8 @@
         </p:nvSpPr>
         <p:spPr>
           <a:xfrm rot="2745600">
-            <a:off x="8349840" y="-667800"/>
-            <a:ext cx="1497240" cy="1497240"/>
+            <a:off x="8350200" y="-667800"/>
+            <a:ext cx="1496880" cy="1496880"/>
           </a:xfrm>
           <a:prstGeom prst="roundRect">
             <a:avLst>
@@ -22879,8 +22879,8 @@
         </p:nvSpPr>
         <p:spPr>
           <a:xfrm rot="2745600">
-            <a:off x="7634160" y="-322200"/>
-            <a:ext cx="806040" cy="806400"/>
+            <a:off x="7634160" y="-321840"/>
+            <a:ext cx="805680" cy="806040"/>
           </a:xfrm>
           <a:prstGeom prst="roundRect">
             <a:avLst>
@@ -22919,7 +22919,7 @@
         <p:spPr>
           <a:xfrm>
             <a:off x="586440" y="899640"/>
-            <a:ext cx="7930800" cy="1536120"/>
+            <a:ext cx="7930440" cy="1535760"/>
           </a:xfrm>
           <a:prstGeom prst="rect">
             <a:avLst/>
@@ -22971,7 +22971,7 @@
         <p:spPr>
           <a:xfrm>
             <a:off x="608040" y="2545560"/>
-            <a:ext cx="3711240" cy="2254680"/>
+            <a:ext cx="3710880" cy="2254320"/>
           </a:xfrm>
           <a:prstGeom prst="rect">
             <a:avLst/>
@@ -23023,7 +23023,7 @@
         <p:spPr>
           <a:xfrm>
             <a:off x="4806360" y="2545560"/>
-            <a:ext cx="3711240" cy="2254680"/>
+            <a:ext cx="3710880" cy="2254320"/>
           </a:xfrm>
           <a:prstGeom prst="rect">
             <a:avLst/>
@@ -23075,7 +23075,7 @@
         <p:spPr>
           <a:xfrm>
             <a:off x="583200" y="450720"/>
-            <a:ext cx="7197120" cy="511200"/>
+            <a:ext cx="7196760" cy="510840"/>
           </a:xfrm>
           <a:prstGeom prst="rect">
             <a:avLst/>
@@ -23163,8 +23163,8 @@
         </p:nvSpPr>
         <p:spPr>
           <a:xfrm rot="2744400">
-            <a:off x="-279720" y="-25560"/>
-            <a:ext cx="703440" cy="703080"/>
+            <a:off x="-279360" y="-25560"/>
+            <a:ext cx="703080" cy="702720"/>
           </a:xfrm>
           <a:prstGeom prst="roundRect">
             <a:avLst>
@@ -23202,7 +23202,7 @@
         <p:spPr>
           <a:xfrm>
             <a:off x="569160" y="1888920"/>
-            <a:ext cx="4820040" cy="820800"/>
+            <a:ext cx="4819680" cy="820800"/>
           </a:xfrm>
           <a:prstGeom prst="rect">
             <a:avLst/>
@@ -23253,8 +23253,8 @@
         </p:nvSpPr>
         <p:spPr>
           <a:xfrm rot="18679800">
-            <a:off x="6781680" y="457920"/>
-            <a:ext cx="6249600" cy="4665240"/>
+            <a:off x="6781320" y="457920"/>
+            <a:ext cx="6249240" cy="4664880"/>
           </a:xfrm>
           <a:prstGeom prst="roundRect">
             <a:avLst>
@@ -23291,8 +23291,8 @@
         </p:nvSpPr>
         <p:spPr>
           <a:xfrm rot="2625600">
-            <a:off x="6024960" y="4332240"/>
-            <a:ext cx="467280" cy="467280"/>
+            <a:off x="6024960" y="4331880"/>
+            <a:ext cx="466920" cy="466920"/>
           </a:xfrm>
           <a:prstGeom prst="roundRect">
             <a:avLst>
@@ -23330,7 +23330,7 @@
         <p:spPr>
           <a:xfrm>
             <a:off x="1640880" y="4592880"/>
-            <a:ext cx="2994480" cy="265320"/>
+            <a:ext cx="2994120" cy="264960"/>
           </a:xfrm>
           <a:prstGeom prst="rect">
             <a:avLst/>
@@ -23392,7 +23392,7 @@
         <p:spPr>
           <a:xfrm>
             <a:off x="867240" y="3590280"/>
-            <a:ext cx="252360" cy="252720"/>
+            <a:ext cx="252000" cy="252360"/>
           </a:xfrm>
           <a:prstGeom prst="ellipse">
             <a:avLst/>
@@ -23427,7 +23427,7 @@
         <p:spPr>
           <a:xfrm>
             <a:off x="351000" y="3793320"/>
-            <a:ext cx="1284840" cy="1130400"/>
+            <a:ext cx="1284480" cy="1130040"/>
           </a:xfrm>
           <a:prstGeom prst="rect">
             <a:avLst/>
@@ -23482,8 +23482,8 @@
         </p:nvSpPr>
         <p:spPr>
           <a:xfrm rot="2744400">
-            <a:off x="-279720" y="-25560"/>
-            <a:ext cx="703440" cy="703080"/>
+            <a:off x="-279360" y="-25560"/>
+            <a:ext cx="703080" cy="702720"/>
           </a:xfrm>
           <a:prstGeom prst="roundRect">
             <a:avLst>
@@ -23520,8 +23520,8 @@
         </p:nvSpPr>
         <p:spPr>
           <a:xfrm rot="2332200">
-            <a:off x="6009120" y="-319680"/>
-            <a:ext cx="4854600" cy="7725600"/>
+            <a:off x="6009120" y="-319320"/>
+            <a:ext cx="4854240" cy="7725240"/>
           </a:xfrm>
           <a:prstGeom prst="roundRect">
             <a:avLst>
@@ -23559,9 +23559,9 @@
         <p:grpSpPr>
           <a:xfrm>
             <a:off x="4571640" y="828000"/>
-            <a:ext cx="4467240" cy="3563280"/>
+            <a:ext cx="4466880" cy="3562920"/>
             <a:chOff x="4571640" y="828000"/>
-            <a:chExt cx="4467240" cy="3563280"/>
+            <a:chExt cx="4466880" cy="3562920"/>
           </a:xfrm>
         </p:grpSpPr>
         <p:pic>
@@ -23577,7 +23577,7 @@
           <p:spPr>
             <a:xfrm>
               <a:off x="4571640" y="828000"/>
-              <a:ext cx="4467240" cy="3563280"/>
+              <a:ext cx="4466880" cy="3562920"/>
             </a:xfrm>
             <a:prstGeom prst="rect">
               <a:avLst/>
@@ -23595,8 +23595,8 @@
           </p:nvSpPr>
           <p:spPr>
             <a:xfrm rot="16200000">
-              <a:off x="5962680" y="1159920"/>
-              <a:ext cx="1736280" cy="2770200"/>
+              <a:off x="5962680" y="1160280"/>
+              <a:ext cx="1735920" cy="2769840"/>
             </a:xfrm>
             <a:prstGeom prst="roundRect">
               <a:avLst>
@@ -23663,7 +23663,7 @@
         <p:spPr>
           <a:xfrm>
             <a:off x="5446080" y="1672200"/>
-            <a:ext cx="2769840" cy="1736280"/>
+            <a:ext cx="2769480" cy="1735920"/>
           </a:xfrm>
           <a:prstGeom prst="rect">
             <a:avLst/>
@@ -23715,7 +23715,7 @@
         <p:spPr>
           <a:xfrm>
             <a:off x="586440" y="1246680"/>
-            <a:ext cx="4003200" cy="3598920"/>
+            <a:ext cx="4002840" cy="3598560"/>
           </a:xfrm>
           <a:prstGeom prst="rect">
             <a:avLst/>
@@ -23767,7 +23767,7 @@
         <p:spPr>
           <a:xfrm>
             <a:off x="586440" y="453960"/>
-            <a:ext cx="4763160" cy="854280"/>
+            <a:ext cx="4762800" cy="853920"/>
           </a:xfrm>
           <a:prstGeom prst="rect">
             <a:avLst/>
@@ -23855,8 +23855,8 @@
         </p:nvSpPr>
         <p:spPr>
           <a:xfrm rot="2745600">
-            <a:off x="8349840" y="-667800"/>
-            <a:ext cx="1497240" cy="1497240"/>
+            <a:off x="8350200" y="-667800"/>
+            <a:ext cx="1496880" cy="1496880"/>
           </a:xfrm>
           <a:prstGeom prst="roundRect">
             <a:avLst>
@@ -23893,8 +23893,8 @@
         </p:nvSpPr>
         <p:spPr>
           <a:xfrm rot="2745600">
-            <a:off x="7634160" y="-322200"/>
-            <a:ext cx="806040" cy="806400"/>
+            <a:off x="7634160" y="-321840"/>
+            <a:ext cx="805680" cy="806040"/>
           </a:xfrm>
           <a:prstGeom prst="roundRect">
             <a:avLst>
@@ -23933,7 +23933,7 @@
         <p:spPr>
           <a:xfrm>
             <a:off x="586440" y="899640"/>
-            <a:ext cx="7930800" cy="1536120"/>
+            <a:ext cx="7930440" cy="1535760"/>
           </a:xfrm>
           <a:prstGeom prst="rect">
             <a:avLst/>
@@ -23985,7 +23985,7 @@
         <p:spPr>
           <a:xfrm>
             <a:off x="608040" y="2545560"/>
-            <a:ext cx="3711240" cy="2254680"/>
+            <a:ext cx="3710880" cy="2254320"/>
           </a:xfrm>
           <a:prstGeom prst="rect">
             <a:avLst/>
@@ -24037,7 +24037,7 @@
         <p:spPr>
           <a:xfrm>
             <a:off x="4806360" y="2545560"/>
-            <a:ext cx="3711240" cy="2254680"/>
+            <a:ext cx="3710880" cy="2254320"/>
           </a:xfrm>
           <a:prstGeom prst="rect">
             <a:avLst/>
@@ -24089,7 +24089,7 @@
         <p:spPr>
           <a:xfrm>
             <a:off x="583200" y="450720"/>
-            <a:ext cx="7197120" cy="511200"/>
+            <a:ext cx="7196760" cy="510840"/>
           </a:xfrm>
           <a:prstGeom prst="rect">
             <a:avLst/>
@@ -24171,7 +24171,7 @@
         <p:spPr>
           <a:xfrm>
             <a:off x="586440" y="1246680"/>
-            <a:ext cx="4003200" cy="3598920"/>
+            <a:ext cx="4002840" cy="3598560"/>
           </a:xfrm>
           <a:prstGeom prst="rect">
             <a:avLst/>
@@ -24223,7 +24223,7 @@
         <p:spPr>
           <a:xfrm>
             <a:off x="559800" y="446040"/>
-            <a:ext cx="4282560" cy="682560"/>
+            <a:ext cx="4282200" cy="682200"/>
           </a:xfrm>
           <a:prstGeom prst="rect">
             <a:avLst/>
@@ -24275,7 +24275,7 @@
         <p:spPr>
           <a:xfrm>
             <a:off x="5097600" y="360"/>
-            <a:ext cx="4378680" cy="5142960"/>
+            <a:ext cx="4378320" cy="5142600"/>
           </a:xfrm>
           <a:prstGeom prst="roundRect">
             <a:avLst>
@@ -24340,8 +24340,8 @@
         </p:nvSpPr>
         <p:spPr>
           <a:xfrm rot="2744400">
-            <a:off x="-279720" y="-25560"/>
-            <a:ext cx="703440" cy="703080"/>
+            <a:off x="-279360" y="-25560"/>
+            <a:ext cx="703080" cy="702720"/>
           </a:xfrm>
           <a:prstGeom prst="roundRect">
             <a:avLst>
@@ -24378,8 +24378,8 @@
         </p:nvSpPr>
         <p:spPr>
           <a:xfrm rot="2625600">
-            <a:off x="4861080" y="4146120"/>
-            <a:ext cx="467280" cy="467280"/>
+            <a:off x="4861080" y="4145760"/>
+            <a:ext cx="466920" cy="466920"/>
           </a:xfrm>
           <a:prstGeom prst="roundRect">
             <a:avLst>
@@ -24453,8 +24453,8 @@
         </p:nvSpPr>
         <p:spPr>
           <a:xfrm rot="2744400">
-            <a:off x="-348840" y="4539240"/>
-            <a:ext cx="703440" cy="703080"/>
+            <a:off x="-348480" y="4538880"/>
+            <a:ext cx="703080" cy="702720"/>
           </a:xfrm>
           <a:prstGeom prst="roundRect">
             <a:avLst>
@@ -24491,8 +24491,8 @@
         </p:nvSpPr>
         <p:spPr>
           <a:xfrm rot="19228200">
-            <a:off x="5845680" y="-2265480"/>
-            <a:ext cx="4854240" cy="7725240"/>
+            <a:off x="5845320" y="-2265120"/>
+            <a:ext cx="4853880" cy="7724880"/>
           </a:xfrm>
           <a:prstGeom prst="roundRect">
             <a:avLst>
@@ -24530,9 +24530,9 @@
         <p:grpSpPr>
           <a:xfrm>
             <a:off x="4571640" y="828000"/>
-            <a:ext cx="4467240" cy="3563280"/>
+            <a:ext cx="4466880" cy="3562920"/>
             <a:chOff x="4571640" y="828000"/>
-            <a:chExt cx="4467240" cy="3563280"/>
+            <a:chExt cx="4466880" cy="3562920"/>
           </a:xfrm>
         </p:grpSpPr>
         <p:pic>
@@ -24548,7 +24548,7 @@
           <p:spPr>
             <a:xfrm>
               <a:off x="4571640" y="828000"/>
-              <a:ext cx="4467240" cy="3563280"/>
+              <a:ext cx="4466880" cy="3562920"/>
             </a:xfrm>
             <a:prstGeom prst="rect">
               <a:avLst/>
@@ -24566,8 +24566,8 @@
           </p:nvSpPr>
           <p:spPr>
             <a:xfrm rot="16200000">
-              <a:off x="5962680" y="1159920"/>
-              <a:ext cx="1736280" cy="2770200"/>
+              <a:off x="5962680" y="1160280"/>
+              <a:ext cx="1735920" cy="2769840"/>
             </a:xfrm>
             <a:prstGeom prst="roundRect">
               <a:avLst>
@@ -24634,7 +24634,7 @@
         <p:spPr>
           <a:xfrm>
             <a:off x="586440" y="1246680"/>
-            <a:ext cx="4003200" cy="3598920"/>
+            <a:ext cx="4002840" cy="3598560"/>
           </a:xfrm>
           <a:prstGeom prst="rect">
             <a:avLst/>
@@ -24686,7 +24686,7 @@
         <p:spPr>
           <a:xfrm>
             <a:off x="5446080" y="1672200"/>
-            <a:ext cx="2779200" cy="1736280"/>
+            <a:ext cx="2778840" cy="1735920"/>
           </a:xfrm>
           <a:prstGeom prst="rect">
             <a:avLst/>
@@ -24738,7 +24738,7 @@
         <p:spPr>
           <a:xfrm>
             <a:off x="586440" y="453960"/>
-            <a:ext cx="3695760" cy="854280"/>
+            <a:ext cx="3695400" cy="853920"/>
           </a:xfrm>
           <a:prstGeom prst="rect">
             <a:avLst/>
@@ -24827,7 +24827,7 @@
         <p:spPr>
           <a:xfrm>
             <a:off x="4222080" y="1246680"/>
-            <a:ext cx="4114080" cy="3598920"/>
+            <a:ext cx="4113720" cy="3598560"/>
           </a:xfrm>
           <a:prstGeom prst="rect">
             <a:avLst/>
@@ -24878,8 +24878,8 @@
         </p:nvSpPr>
         <p:spPr>
           <a:xfrm rot="16200000">
-            <a:off x="-2181600" y="1734480"/>
-            <a:ext cx="5142960" cy="1683000"/>
+            <a:off x="-2181600" y="1734840"/>
+            <a:ext cx="5142600" cy="1682640"/>
           </a:xfrm>
           <a:prstGeom prst="roundRect">
             <a:avLst>
@@ -24916,8 +24916,8 @@
         </p:nvSpPr>
         <p:spPr>
           <a:xfrm rot="2745000">
-            <a:off x="8575200" y="102960"/>
-            <a:ext cx="1131480" cy="1131120"/>
+            <a:off x="8575200" y="102600"/>
+            <a:ext cx="1131120" cy="1130760"/>
           </a:xfrm>
           <a:prstGeom prst="roundRect">
             <a:avLst>
@@ -24954,8 +24954,8 @@
         </p:nvSpPr>
         <p:spPr>
           <a:xfrm rot="16200000">
-            <a:off x="614880" y="919800"/>
-            <a:ext cx="3231000" cy="3312720"/>
+            <a:off x="614880" y="920160"/>
+            <a:ext cx="3230640" cy="3312360"/>
           </a:xfrm>
           <a:prstGeom prst="roundRect">
             <a:avLst>
@@ -25021,7 +25021,7 @@
         <p:spPr>
           <a:xfrm>
             <a:off x="4214160" y="456120"/>
-            <a:ext cx="4110840" cy="854280"/>
+            <a:ext cx="4110480" cy="853920"/>
           </a:xfrm>
           <a:prstGeom prst="rect">
             <a:avLst/>
